--- a/02DeepLearning/DNN/DeepLearning-DNN.pptx
+++ b/02DeepLearning/DNN/DeepLearning-DNN.pptx
@@ -5,10 +5,10 @@
     <p:sldMasterId id="2147483648" r:id="rId1"/>
   </p:sldMasterIdLst>
   <p:notesMasterIdLst>
-    <p:notesMasterId r:id="rId29"/>
+    <p:notesMasterId r:id="rId33"/>
   </p:notesMasterIdLst>
   <p:handoutMasterIdLst>
-    <p:handoutMasterId r:id="rId30"/>
+    <p:handoutMasterId r:id="rId34"/>
   </p:handoutMasterIdLst>
   <p:sldIdLst>
     <p:sldId id="475" r:id="rId2"/>
@@ -22,22 +22,26 @@
     <p:sldId id="427" r:id="rId10"/>
     <p:sldId id="399" r:id="rId11"/>
     <p:sldId id="402" r:id="rId12"/>
-    <p:sldId id="403" r:id="rId13"/>
-    <p:sldId id="421" r:id="rId14"/>
-    <p:sldId id="418" r:id="rId15"/>
-    <p:sldId id="412" r:id="rId16"/>
-    <p:sldId id="413" r:id="rId17"/>
-    <p:sldId id="398" r:id="rId18"/>
-    <p:sldId id="351" r:id="rId19"/>
-    <p:sldId id="404" r:id="rId20"/>
-    <p:sldId id="405" r:id="rId21"/>
-    <p:sldId id="406" r:id="rId22"/>
-    <p:sldId id="424" r:id="rId23"/>
-    <p:sldId id="496" r:id="rId24"/>
-    <p:sldId id="497" r:id="rId25"/>
-    <p:sldId id="481" r:id="rId26"/>
-    <p:sldId id="477" r:id="rId27"/>
-    <p:sldId id="471" r:id="rId28"/>
+    <p:sldId id="498" r:id="rId13"/>
+    <p:sldId id="403" r:id="rId14"/>
+    <p:sldId id="421" r:id="rId15"/>
+    <p:sldId id="418" r:id="rId16"/>
+    <p:sldId id="412" r:id="rId17"/>
+    <p:sldId id="413" r:id="rId18"/>
+    <p:sldId id="500" r:id="rId19"/>
+    <p:sldId id="499" r:id="rId20"/>
+    <p:sldId id="501" r:id="rId21"/>
+    <p:sldId id="398" r:id="rId22"/>
+    <p:sldId id="351" r:id="rId23"/>
+    <p:sldId id="404" r:id="rId24"/>
+    <p:sldId id="405" r:id="rId25"/>
+    <p:sldId id="406" r:id="rId26"/>
+    <p:sldId id="424" r:id="rId27"/>
+    <p:sldId id="496" r:id="rId28"/>
+    <p:sldId id="497" r:id="rId29"/>
+    <p:sldId id="481" r:id="rId30"/>
+    <p:sldId id="477" r:id="rId31"/>
+    <p:sldId id="471" r:id="rId32"/>
   </p:sldIdLst>
   <p:sldSz cx="9144000" cy="6858000" type="screen4x3"/>
   <p:notesSz cx="6858000" cy="9144000"/>
@@ -252,7 +256,7 @@
             <a:fld id="{D83FDC75-7F73-4A4A-A77C-09AADF00E0EA}" type="datetimeFigureOut">
               <a:rPr lang="en-US" smtClean="0"/>
               <a:pPr/>
-              <a:t>1/15/2019</a:t>
+              <a:t>6/8/2019</a:t>
             </a:fld>
             <a:endParaRPr lang="en-US" dirty="0"/>
           </a:p>
@@ -419,7 +423,7 @@
             <a:fld id="{48AEF76B-3757-4A0B-AF93-28494465C1DD}" type="datetimeFigureOut">
               <a:rPr lang="en-US" smtClean="0"/>
               <a:pPr/>
-              <a:t>1/15/2019</a:t>
+              <a:t>6/8/2019</a:t>
             </a:fld>
             <a:endParaRPr lang="en-US" dirty="0"/>
           </a:p>
@@ -1574,7 +1578,7 @@
             <a:fld id="{757B281C-5159-4971-8228-52B9A72E9ED2}" type="datetimeFigureOut">
               <a:rPr lang="en-US" smtClean="0"/>
               <a:pPr/>
-              <a:t>1/15/2019</a:t>
+              <a:t>6/8/2019</a:t>
             </a:fld>
             <a:endParaRPr lang="en-US" dirty="0"/>
           </a:p>
@@ -1669,7 +1673,7 @@
             <a:fld id="{757B281C-5159-4971-8228-52B9A72E9ED2}" type="datetimeFigureOut">
               <a:rPr lang="en-US" smtClean="0"/>
               <a:pPr/>
-              <a:t>1/15/2019</a:t>
+              <a:t>6/8/2019</a:t>
             </a:fld>
             <a:endParaRPr lang="en-US" dirty="0"/>
           </a:p>
@@ -1798,7 +1802,7 @@
             <a:fld id="{757B281C-5159-4971-8228-52B9A72E9ED2}" type="datetimeFigureOut">
               <a:rPr lang="en-US" smtClean="0"/>
               <a:pPr/>
-              <a:t>1/15/2019</a:t>
+              <a:t>6/8/2019</a:t>
             </a:fld>
             <a:endParaRPr lang="en-US" dirty="0"/>
           </a:p>
@@ -1996,7 +2000,7 @@
             <a:fld id="{757B281C-5159-4971-8228-52B9A72E9ED2}" type="datetimeFigureOut">
               <a:rPr lang="en-US" smtClean="0"/>
               <a:pPr/>
-              <a:t>1/15/2019</a:t>
+              <a:t>6/8/2019</a:t>
             </a:fld>
             <a:endParaRPr lang="en-US" dirty="0"/>
           </a:p>
@@ -2393,7 +2397,7 @@
             <a:fld id="{757B281C-5159-4971-8228-52B9A72E9ED2}" type="datetimeFigureOut">
               <a:rPr lang="en-US" smtClean="0"/>
               <a:pPr/>
-              <a:t>1/15/2019</a:t>
+              <a:t>6/8/2019</a:t>
             </a:fld>
             <a:endParaRPr lang="en-US" dirty="0"/>
           </a:p>
@@ -2683,7 +2687,7 @@
             <a:fld id="{757B281C-5159-4971-8228-52B9A72E9ED2}" type="datetimeFigureOut">
               <a:rPr lang="en-US" smtClean="0"/>
               <a:pPr/>
-              <a:t>1/15/2019</a:t>
+              <a:t>6/8/2019</a:t>
             </a:fld>
             <a:endParaRPr lang="en-US" dirty="0"/>
           </a:p>
@@ -3102,7 +3106,7 @@
             <a:fld id="{757B281C-5159-4971-8228-52B9A72E9ED2}" type="datetimeFigureOut">
               <a:rPr lang="en-US" smtClean="0"/>
               <a:pPr/>
-              <a:t>1/15/2019</a:t>
+              <a:t>6/8/2019</a:t>
             </a:fld>
             <a:endParaRPr lang="en-US" dirty="0"/>
           </a:p>
@@ -3377,7 +3381,7 @@
             <a:fld id="{757B281C-5159-4971-8228-52B9A72E9ED2}" type="datetimeFigureOut">
               <a:rPr lang="en-US" smtClean="0"/>
               <a:pPr/>
-              <a:t>1/15/2019</a:t>
+              <a:t>6/8/2019</a:t>
             </a:fld>
             <a:endParaRPr lang="en-US" dirty="0"/>
           </a:p>
@@ -3633,7 +3637,7 @@
             <a:fld id="{757B281C-5159-4971-8228-52B9A72E9ED2}" type="datetimeFigureOut">
               <a:rPr lang="en-US" smtClean="0"/>
               <a:pPr/>
-              <a:t>1/15/2019</a:t>
+              <a:t>6/8/2019</a:t>
             </a:fld>
             <a:endParaRPr lang="en-US" dirty="0"/>
           </a:p>
@@ -3801,7 +3805,7 @@
             <a:fld id="{757B281C-5159-4971-8228-52B9A72E9ED2}" type="datetimeFigureOut">
               <a:rPr lang="en-US" smtClean="0"/>
               <a:pPr/>
-              <a:t>1/15/2019</a:t>
+              <a:t>6/8/2019</a:t>
             </a:fld>
             <a:endParaRPr lang="en-US" dirty="0"/>
           </a:p>
@@ -3979,7 +3983,7 @@
             <a:fld id="{757B281C-5159-4971-8228-52B9A72E9ED2}" type="datetimeFigureOut">
               <a:rPr lang="en-US" smtClean="0"/>
               <a:pPr/>
-              <a:t>1/15/2019</a:t>
+              <a:t>6/8/2019</a:t>
             </a:fld>
             <a:endParaRPr lang="en-US" dirty="0"/>
           </a:p>
@@ -4221,7 +4225,7 @@
             <a:fld id="{757B281C-5159-4971-8228-52B9A72E9ED2}" type="datetimeFigureOut">
               <a:rPr lang="en-US" smtClean="0"/>
               <a:pPr/>
-              <a:t>1/15/2019</a:t>
+              <a:t>6/8/2019</a:t>
             </a:fld>
             <a:endParaRPr lang="en-US" dirty="0"/>
           </a:p>
@@ -6479,6 +6483,178 @@
 </file>
 
 <file path=ppt/slides/slide12.xml><?xml version="1.0" encoding="utf-8"?>
+<p:sld xmlns:a="http://schemas.openxmlformats.org/drawingml/2006/main" xmlns:r="http://schemas.openxmlformats.org/officeDocument/2006/relationships" xmlns:p="http://schemas.openxmlformats.org/presentationml/2006/main">
+  <p:cSld>
+    <p:spTree>
+      <p:nvGrpSpPr>
+        <p:cNvPr id="1" name=""/>
+        <p:cNvGrpSpPr/>
+        <p:nvPr/>
+      </p:nvGrpSpPr>
+      <p:grpSpPr>
+        <a:xfrm>
+          <a:off x="0" y="0"/>
+          <a:ext cx="0" cy="0"/>
+          <a:chOff x="0" y="0"/>
+          <a:chExt cx="0" cy="0"/>
+        </a:xfrm>
+      </p:grpSpPr>
+      <p:sp>
+        <p:nvSpPr>
+          <p:cNvPr id="2" name="Title 1"/>
+          <p:cNvSpPr>
+            <a:spLocks noGrp="1"/>
+          </p:cNvSpPr>
+          <p:nvPr>
+            <p:ph type="title"/>
+          </p:nvPr>
+        </p:nvSpPr>
+        <p:spPr/>
+        <p:txBody>
+          <a:bodyPr/>
+          <a:lstStyle/>
+          <a:p>
+            <a:r>
+              <a:rPr lang="en-US" dirty="0" smtClean="0">
+                <a:solidFill>
+                  <a:schemeClr val="accent2"/>
+                </a:solidFill>
+              </a:rPr>
+              <a:t>More Optimization </a:t>
+            </a:r>
+            <a:r>
+              <a:rPr lang="en-US" dirty="0">
+                <a:solidFill>
+                  <a:schemeClr val="accent2"/>
+                </a:solidFill>
+              </a:rPr>
+              <a:t>Methods</a:t>
+            </a:r>
+            <a:endParaRPr lang="en-US" dirty="0"/>
+          </a:p>
+        </p:txBody>
+      </p:sp>
+      <p:sp>
+        <p:nvSpPr>
+          <p:cNvPr id="3" name="Content Placeholder 2"/>
+          <p:cNvSpPr>
+            <a:spLocks noGrp="1"/>
+          </p:cNvSpPr>
+          <p:nvPr>
+            <p:ph idx="1"/>
+          </p:nvPr>
+        </p:nvSpPr>
+        <p:spPr>
+          <a:xfrm>
+            <a:off x="762000" y="1596413"/>
+            <a:ext cx="8077200" cy="5261587"/>
+          </a:xfrm>
+        </p:spPr>
+        <p:txBody>
+          <a:bodyPr>
+            <a:normAutofit lnSpcReduction="10000"/>
+          </a:bodyPr>
+          <a:lstStyle/>
+          <a:p>
+            <a:r>
+              <a:rPr lang="en-US" dirty="0" smtClean="0"/>
+              <a:t>With Adaptive Learning Rates</a:t>
+            </a:r>
+          </a:p>
+          <a:p>
+            <a:pPr lvl="1"/>
+            <a:r>
+              <a:rPr lang="en-US" sz="2600" b="1" dirty="0" err="1" smtClean="0"/>
+              <a:t>Adagrad</a:t>
+            </a:r>
+            <a:r>
+              <a:rPr lang="en-US" sz="2600" dirty="0"/>
+              <a:t>: Scale learning rate inversely proportional to the square root of the sum of all historical squared values of the gradient (stored for every weight)</a:t>
+            </a:r>
+            <a:endParaRPr lang="en-US" sz="2600" dirty="0" smtClean="0"/>
+          </a:p>
+          <a:p>
+            <a:pPr lvl="1"/>
+            <a:r>
+              <a:rPr lang="en-US" sz="2600" b="1" dirty="0" err="1" smtClean="0"/>
+              <a:t>RMSProp</a:t>
+            </a:r>
+            <a:r>
+              <a:rPr lang="en-US" sz="2600" dirty="0"/>
+              <a:t>: Exponentially weighted moving average to accumulate </a:t>
+            </a:r>
+            <a:r>
+              <a:rPr lang="en-US" sz="2600" dirty="0" smtClean="0"/>
+              <a:t>gradients</a:t>
+            </a:r>
+          </a:p>
+          <a:p>
+            <a:pPr lvl="1"/>
+            <a:r>
+              <a:rPr lang="en-US" sz="2600" b="1" dirty="0" err="1" smtClean="0"/>
+              <a:t>AdaDelta</a:t>
+            </a:r>
+            <a:r>
+              <a:rPr lang="en-US" sz="2600" dirty="0"/>
+              <a:t>: Uses sliding window to accumulate </a:t>
+            </a:r>
+            <a:r>
+              <a:rPr lang="en-US" sz="2600" dirty="0" smtClean="0"/>
+              <a:t>gradients</a:t>
+            </a:r>
+          </a:p>
+          <a:p>
+            <a:pPr lvl="1"/>
+            <a:r>
+              <a:rPr lang="en-US" sz="2600" b="1" dirty="0" smtClean="0"/>
+              <a:t>Adam</a:t>
+            </a:r>
+            <a:r>
+              <a:rPr lang="en-US" sz="2600" dirty="0" smtClean="0"/>
+              <a:t> (adaptive </a:t>
+            </a:r>
+            <a:r>
+              <a:rPr lang="en-US" sz="2600" dirty="0"/>
+              <a:t>moments): momentum integrated, bias correction in </a:t>
+            </a:r>
+            <a:r>
+              <a:rPr lang="en-US" sz="2600" dirty="0" smtClean="0"/>
+              <a:t>decay</a:t>
+            </a:r>
+            <a:endParaRPr lang="en-US" dirty="0" smtClean="0"/>
+          </a:p>
+          <a:p>
+            <a:r>
+              <a:rPr lang="en-US" sz="3000" dirty="0" smtClean="0"/>
+              <a:t>A good summary: </a:t>
+            </a:r>
+            <a:r>
+              <a:rPr lang="en-US" sz="2800" dirty="0">
+                <a:hlinkClick r:id="rId2"/>
+              </a:rPr>
+              <a:t>http://ruder.io/optimizing-gradient-descent/</a:t>
+            </a:r>
+            <a:endParaRPr lang="en-US" sz="3000" dirty="0" smtClean="0"/>
+          </a:p>
+        </p:txBody>
+      </p:sp>
+    </p:spTree>
+    <p:extLst>
+      <p:ext uri="{BB962C8B-B14F-4D97-AF65-F5344CB8AC3E}">
+        <p14:creationId xmlns:p14="http://schemas.microsoft.com/office/powerpoint/2010/main" val="4090301682"/>
+      </p:ext>
+    </p:extLst>
+  </p:cSld>
+  <p:clrMapOvr>
+    <a:masterClrMapping/>
+  </p:clrMapOvr>
+  <p:transition spd="slow">
+    <p:wipe dir="d"/>
+  </p:transition>
+</p:sld>
+</file>
+
+<file path=ppt/slides/slide13.xml><?xml version="1.0" encoding="utf-8"?>
 <p:sld xmlns:a="http://schemas.openxmlformats.org/drawingml/2006/main" xmlns:r="http://schemas.openxmlformats.org/officeDocument/2006/relationships" xmlns:p="http://schemas.openxmlformats.org/presentationml/2006/main">
   <p:cSld>
     <p:spTree>
@@ -7568,7 +7744,7 @@
 </p:sld>
 </file>
 
-<file path=ppt/slides/slide13.xml><?xml version="1.0" encoding="utf-8"?>
+<file path=ppt/slides/slide14.xml><?xml version="1.0" encoding="utf-8"?>
 <p:sld xmlns:a="http://schemas.openxmlformats.org/drawingml/2006/main" xmlns:r="http://schemas.openxmlformats.org/officeDocument/2006/relationships" xmlns:p="http://schemas.openxmlformats.org/presentationml/2006/main">
   <p:cSld>
     <p:spTree>
@@ -7762,7 +7938,7 @@
 </p:sld>
 </file>
 
-<file path=ppt/slides/slide14.xml><?xml version="1.0" encoding="utf-8"?>
+<file path=ppt/slides/slide15.xml><?xml version="1.0" encoding="utf-8"?>
 <p:sld xmlns:a="http://schemas.openxmlformats.org/drawingml/2006/main" xmlns:r="http://schemas.openxmlformats.org/officeDocument/2006/relationships" xmlns:p="http://schemas.openxmlformats.org/presentationml/2006/main">
   <p:cSld>
     <p:spTree>
@@ -8385,7 +8561,7 @@
 </p:sld>
 </file>
 
-<file path=ppt/slides/slide15.xml><?xml version="1.0" encoding="utf-8"?>
+<file path=ppt/slides/slide16.xml><?xml version="1.0" encoding="utf-8"?>
 <p:sld xmlns:a="http://schemas.openxmlformats.org/drawingml/2006/main" xmlns:r="http://schemas.openxmlformats.org/officeDocument/2006/relationships" xmlns:p="http://schemas.openxmlformats.org/presentationml/2006/main">
   <p:cSld>
     <p:spTree>
@@ -8465,7 +8641,7 @@
 </p:sld>
 </file>
 
-<file path=ppt/slides/slide16.xml><?xml version="1.0" encoding="utf-8"?>
+<file path=ppt/slides/slide17.xml><?xml version="1.0" encoding="utf-8"?>
 <p:sld xmlns:a="http://schemas.openxmlformats.org/drawingml/2006/main" xmlns:r="http://schemas.openxmlformats.org/officeDocument/2006/relationships" xmlns:p="http://schemas.openxmlformats.org/presentationml/2006/main">
   <p:cSld>
     <p:spTree>
@@ -8727,7 +8903,1768 @@
 </p:sld>
 </file>
 
-<file path=ppt/slides/slide17.xml><?xml version="1.0" encoding="utf-8"?>
+<file path=ppt/slides/slide18.xml><?xml version="1.0" encoding="utf-8"?>
+<p:sld xmlns:a="http://schemas.openxmlformats.org/drawingml/2006/main" xmlns:r="http://schemas.openxmlformats.org/officeDocument/2006/relationships" xmlns:p="http://schemas.openxmlformats.org/presentationml/2006/main">
+  <p:cSld>
+    <p:spTree>
+      <p:nvGrpSpPr>
+        <p:cNvPr id="1" name=""/>
+        <p:cNvGrpSpPr/>
+        <p:nvPr/>
+      </p:nvGrpSpPr>
+      <p:grpSpPr>
+        <a:xfrm>
+          <a:off x="0" y="0"/>
+          <a:ext cx="0" cy="0"/>
+          <a:chOff x="0" y="0"/>
+          <a:chExt cx="0" cy="0"/>
+        </a:xfrm>
+      </p:grpSpPr>
+      <p:sp>
+        <p:nvSpPr>
+          <p:cNvPr id="2" name="Title 1"/>
+          <p:cNvSpPr>
+            <a:spLocks noGrp="1"/>
+          </p:cNvSpPr>
+          <p:nvPr>
+            <p:ph type="title"/>
+          </p:nvPr>
+        </p:nvSpPr>
+        <p:spPr>
+          <a:xfrm>
+            <a:off x="4114800" y="3048000"/>
+            <a:ext cx="4800600" cy="1362075"/>
+          </a:xfrm>
+        </p:spPr>
+        <p:txBody>
+          <a:bodyPr>
+            <a:normAutofit/>
+          </a:bodyPr>
+          <a:lstStyle/>
+          <a:p>
+            <a:r>
+              <a:rPr lang="en-US" sz="3600" dirty="0">
+                <a:solidFill>
+                  <a:schemeClr val="tx2"/>
+                </a:solidFill>
+                <a:latin typeface="Arial" panose="020B0604020202020204" pitchFamily="34" charset="0"/>
+                <a:cs typeface="Arial" panose="020B0604020202020204" pitchFamily="34" charset="0"/>
+              </a:rPr>
+              <a:t>The </a:t>
+            </a:r>
+            <a:r>
+              <a:rPr lang="en-US" sz="3600" dirty="0" smtClean="0">
+                <a:solidFill>
+                  <a:schemeClr val="tx2"/>
+                </a:solidFill>
+                <a:latin typeface="Arial" panose="020B0604020202020204" pitchFamily="34" charset="0"/>
+                <a:cs typeface="Arial" panose="020B0604020202020204" pitchFamily="34" charset="0"/>
+              </a:rPr>
+              <a:t>IMDB </a:t>
+            </a:r>
+            <a:r>
+              <a:rPr lang="en-US" sz="3600" dirty="0">
+                <a:solidFill>
+                  <a:schemeClr val="tx2"/>
+                </a:solidFill>
+                <a:latin typeface="Arial" panose="020B0604020202020204" pitchFamily="34" charset="0"/>
+                <a:cs typeface="Arial" panose="020B0604020202020204" pitchFamily="34" charset="0"/>
+              </a:rPr>
+              <a:t>Dataset</a:t>
+            </a:r>
+          </a:p>
+        </p:txBody>
+      </p:sp>
+      <p:sp>
+        <p:nvSpPr>
+          <p:cNvPr id="3" name="Picture Placeholder 2"/>
+          <p:cNvSpPr>
+            <a:spLocks noGrp="1"/>
+          </p:cNvSpPr>
+          <p:nvPr>
+            <p:ph type="pic" sz="quarter" idx="13"/>
+          </p:nvPr>
+        </p:nvSpPr>
+        <p:spPr/>
+      </p:sp>
+    </p:spTree>
+    <p:extLst>
+      <p:ext uri="{BB962C8B-B14F-4D97-AF65-F5344CB8AC3E}">
+        <p14:creationId xmlns:p14="http://schemas.microsoft.com/office/powerpoint/2010/main" val="1824137458"/>
+      </p:ext>
+    </p:extLst>
+  </p:cSld>
+  <p:clrMapOvr>
+    <a:masterClrMapping/>
+  </p:clrMapOvr>
+  <p:transition spd="slow">
+    <p:wipe dir="d"/>
+  </p:transition>
+</p:sld>
+</file>
+
+<file path=ppt/slides/slide19.xml><?xml version="1.0" encoding="utf-8"?>
+<p:sld xmlns:a="http://schemas.openxmlformats.org/drawingml/2006/main" xmlns:r="http://schemas.openxmlformats.org/officeDocument/2006/relationships" xmlns:p="http://schemas.openxmlformats.org/presentationml/2006/main">
+  <p:cSld>
+    <p:spTree>
+      <p:nvGrpSpPr>
+        <p:cNvPr id="1" name=""/>
+        <p:cNvGrpSpPr/>
+        <p:nvPr/>
+      </p:nvGrpSpPr>
+      <p:grpSpPr>
+        <a:xfrm>
+          <a:off x="0" y="0"/>
+          <a:ext cx="0" cy="0"/>
+          <a:chOff x="0" y="0"/>
+          <a:chExt cx="0" cy="0"/>
+        </a:xfrm>
+      </p:grpSpPr>
+      <p:sp>
+        <p:nvSpPr>
+          <p:cNvPr id="4" name="Title 1"/>
+          <p:cNvSpPr>
+            <a:spLocks noGrp="1"/>
+          </p:cNvSpPr>
+          <p:nvPr>
+            <p:ph type="title"/>
+          </p:nvPr>
+        </p:nvSpPr>
+        <p:spPr>
+          <a:xfrm>
+            <a:off x="762000" y="269632"/>
+            <a:ext cx="8077200" cy="1143000"/>
+          </a:xfrm>
+        </p:spPr>
+        <p:txBody>
+          <a:bodyPr>
+            <a:normAutofit/>
+          </a:bodyPr>
+          <a:lstStyle/>
+          <a:p>
+            <a:r>
+              <a:rPr lang="en-US" sz="3600" dirty="0" smtClean="0">
+                <a:solidFill>
+                  <a:schemeClr val="accent2"/>
+                </a:solidFill>
+              </a:rPr>
+              <a:t>IMDB </a:t>
+            </a:r>
+            <a:r>
+              <a:rPr lang="en-US" sz="3600" dirty="0">
+                <a:solidFill>
+                  <a:schemeClr val="accent2"/>
+                </a:solidFill>
+              </a:rPr>
+              <a:t>Dataset</a:t>
+            </a:r>
+          </a:p>
+        </p:txBody>
+      </p:sp>
+      <p:sp>
+        <p:nvSpPr>
+          <p:cNvPr id="5" name="TextBox 4">
+            <a:extLst>
+              <a:ext uri="{FF2B5EF4-FFF2-40B4-BE49-F238E27FC236}">
+                <a16:creationId xmlns:a16="http://schemas.microsoft.com/office/drawing/2014/main" id="{1134EB7A-4CA3-4E27-A254-01A6C630DAB4}"/>
+              </a:ext>
+            </a:extLst>
+          </p:cNvPr>
+          <p:cNvSpPr txBox="1"/>
+          <p:nvPr/>
+        </p:nvSpPr>
+        <p:spPr>
+          <a:xfrm>
+            <a:off x="762000" y="1295400"/>
+            <a:ext cx="8169974" cy="4339650"/>
+          </a:xfrm>
+          <a:prstGeom prst="rect">
+            <a:avLst/>
+          </a:prstGeom>
+          <a:noFill/>
+        </p:spPr>
+        <p:txBody>
+          <a:bodyPr wrap="square" rtlCol="0">
+            <a:spAutoFit/>
+          </a:bodyPr>
+          <a:lstStyle/>
+          <a:p>
+            <a:pPr marL="285750" indent="-285750">
+              <a:buFont typeface="Wingdings" panose="05000000000000000000" pitchFamily="2" charset="2"/>
+              <a:buChar char="q"/>
+            </a:pPr>
+            <a:r>
+              <a:rPr lang="en-US" sz="2000" b="1" dirty="0">
+                <a:solidFill>
+                  <a:schemeClr val="tx2"/>
+                </a:solidFill>
+              </a:rPr>
+              <a:t>Raw data: 50,000 movie review text (X) and it’s corresponding sentiment of positive (1, 50%) or negative (0, 50%) (Y</a:t>
+            </a:r>
+            <a:r>
+              <a:rPr lang="en-US" sz="2000" b="1" dirty="0" smtClean="0">
+                <a:solidFill>
+                  <a:schemeClr val="tx2"/>
+                </a:solidFill>
+              </a:rPr>
+              <a:t>).</a:t>
+            </a:r>
+          </a:p>
+          <a:p>
+            <a:pPr marL="285750" indent="-285750">
+              <a:buFont typeface="Wingdings" panose="05000000000000000000" pitchFamily="2" charset="2"/>
+              <a:buChar char="q"/>
+            </a:pPr>
+            <a:endParaRPr lang="en-US" sz="2000" b="1" dirty="0">
+              <a:solidFill>
+                <a:schemeClr val="tx2"/>
+              </a:solidFill>
+            </a:endParaRPr>
+          </a:p>
+          <a:p>
+            <a:pPr marL="285750" indent="-285750">
+              <a:buFont typeface="Wingdings" panose="05000000000000000000" pitchFamily="2" charset="2"/>
+              <a:buChar char="q"/>
+            </a:pPr>
+            <a:r>
+              <a:rPr lang="en-US" sz="2000" b="1" dirty="0">
+                <a:solidFill>
+                  <a:schemeClr val="tx2"/>
+                </a:solidFill>
+              </a:rPr>
+              <a:t>Included in </a:t>
+            </a:r>
+            <a:r>
+              <a:rPr lang="en-US" sz="2000" b="1" dirty="0" err="1" smtClean="0">
+                <a:solidFill>
+                  <a:schemeClr val="tx2"/>
+                </a:solidFill>
+              </a:rPr>
+              <a:t>Keras</a:t>
+            </a:r>
+            <a:r>
+              <a:rPr lang="en-US" sz="2000" b="1" dirty="0" smtClean="0">
+                <a:solidFill>
+                  <a:schemeClr val="tx2"/>
+                </a:solidFill>
+              </a:rPr>
+              <a:t> </a:t>
+            </a:r>
+            <a:r>
+              <a:rPr lang="en-US" sz="2000" b="1" dirty="0">
+                <a:solidFill>
+                  <a:schemeClr val="tx2"/>
+                </a:solidFill>
+              </a:rPr>
+              <a:t>package, can be easily loaded and </a:t>
+            </a:r>
+            <a:r>
+              <a:rPr lang="en-US" sz="2000" b="1" dirty="0" smtClean="0">
+                <a:solidFill>
+                  <a:schemeClr val="tx2"/>
+                </a:solidFill>
+              </a:rPr>
+              <a:t>preprocessed</a:t>
+            </a:r>
+          </a:p>
+          <a:p>
+            <a:pPr marL="285750" indent="-285750">
+              <a:buFont typeface="Wingdings" panose="05000000000000000000" pitchFamily="2" charset="2"/>
+              <a:buChar char="q"/>
+            </a:pPr>
+            <a:endParaRPr lang="en-US" sz="2000" b="1" dirty="0">
+              <a:solidFill>
+                <a:schemeClr val="tx2"/>
+              </a:solidFill>
+            </a:endParaRPr>
+          </a:p>
+          <a:p>
+            <a:pPr marL="285750" indent="-285750">
+              <a:buFont typeface="Wingdings" panose="05000000000000000000" pitchFamily="2" charset="2"/>
+              <a:buChar char="q"/>
+            </a:pPr>
+            <a:r>
+              <a:rPr lang="en-US" sz="2000" b="1" dirty="0">
+                <a:solidFill>
+                  <a:schemeClr val="tx2"/>
+                </a:solidFill>
+              </a:rPr>
+              <a:t>Preprocessing includes:</a:t>
+            </a:r>
+          </a:p>
+          <a:p>
+            <a:pPr marL="742950" lvl="1" indent="-285750">
+              <a:buFont typeface="Courier New" panose="02070309020205020404" pitchFamily="49" charset="0"/>
+              <a:buChar char="o"/>
+            </a:pPr>
+            <a:r>
+              <a:rPr lang="en-US" b="1" dirty="0">
+                <a:solidFill>
+                  <a:schemeClr val="tx2"/>
+                </a:solidFill>
+              </a:rPr>
+              <a:t>Set size of the vocabulary (i.e. N most frequently occurring words)</a:t>
+            </a:r>
+          </a:p>
+          <a:p>
+            <a:pPr marL="742950" lvl="1" indent="-285750">
+              <a:buFont typeface="Courier New" panose="02070309020205020404" pitchFamily="49" charset="0"/>
+              <a:buChar char="o"/>
+            </a:pPr>
+            <a:r>
+              <a:rPr lang="en-US" b="1" dirty="0">
+                <a:solidFill>
+                  <a:schemeClr val="tx2"/>
+                </a:solidFill>
+              </a:rPr>
+              <a:t>Set length of the review by padding using ‘0’ by default or truncating as we have to have same length for all reviews for modeling</a:t>
+            </a:r>
+          </a:p>
+          <a:p>
+            <a:pPr marL="742950" lvl="1" indent="-285750">
+              <a:buFont typeface="Courier New" panose="02070309020205020404" pitchFamily="49" charset="0"/>
+              <a:buChar char="o"/>
+            </a:pPr>
+            <a:r>
+              <a:rPr lang="en-US" b="1" dirty="0">
+                <a:solidFill>
+                  <a:schemeClr val="tx2"/>
+                </a:solidFill>
+              </a:rPr>
+              <a:t>Any words not in the chosen vocabulary replaced by ‘2’ by default</a:t>
+            </a:r>
+          </a:p>
+          <a:p>
+            <a:pPr marL="742950" lvl="1" indent="-285750">
+              <a:buFont typeface="Courier New" panose="02070309020205020404" pitchFamily="49" charset="0"/>
+              <a:buChar char="o"/>
+            </a:pPr>
+            <a:r>
+              <a:rPr lang="en-US" b="1" dirty="0">
+                <a:solidFill>
+                  <a:schemeClr val="tx2"/>
+                </a:solidFill>
+              </a:rPr>
+              <a:t>Words are indexed by overall frequency in the chosen </a:t>
+            </a:r>
+            <a:r>
+              <a:rPr lang="en-US" b="1" dirty="0" smtClean="0">
+                <a:solidFill>
+                  <a:schemeClr val="tx2"/>
+                </a:solidFill>
+              </a:rPr>
+              <a:t>vocabulary</a:t>
+            </a:r>
+          </a:p>
+          <a:p>
+            <a:pPr marL="742950" lvl="1" indent="-285750">
+              <a:buFont typeface="Courier New" panose="02070309020205020404" pitchFamily="49" charset="0"/>
+              <a:buChar char="o"/>
+            </a:pPr>
+            <a:endParaRPr lang="en-US" b="1" dirty="0">
+              <a:solidFill>
+                <a:schemeClr val="tx2"/>
+              </a:solidFill>
+            </a:endParaRPr>
+          </a:p>
+          <a:p>
+            <a:pPr marL="285750" indent="-285750">
+              <a:buFont typeface="Wingdings" panose="05000000000000000000" pitchFamily="2" charset="2"/>
+              <a:buChar char="q"/>
+            </a:pPr>
+            <a:r>
+              <a:rPr lang="en-US" sz="2000" b="1" dirty="0">
+                <a:solidFill>
+                  <a:schemeClr val="tx2"/>
+                </a:solidFill>
+              </a:rPr>
+              <a:t>Once the dataset is preprocessed, we can apply encoding or embedding and then feed the data to FFNN or </a:t>
+            </a:r>
+            <a:r>
+              <a:rPr lang="en-US" sz="2000" b="1" dirty="0" smtClean="0">
+                <a:solidFill>
+                  <a:schemeClr val="tx2"/>
+                </a:solidFill>
+              </a:rPr>
+              <a:t>RNN</a:t>
+            </a:r>
+            <a:endParaRPr lang="en-US" sz="2000" b="1" dirty="0">
+              <a:solidFill>
+                <a:schemeClr val="tx2"/>
+              </a:solidFill>
+            </a:endParaRPr>
+          </a:p>
+        </p:txBody>
+      </p:sp>
+    </p:spTree>
+    <p:extLst>
+      <p:ext uri="{BB962C8B-B14F-4D97-AF65-F5344CB8AC3E}">
+        <p14:creationId xmlns:p14="http://schemas.microsoft.com/office/powerpoint/2010/main" val="3453356655"/>
+      </p:ext>
+    </p:extLst>
+  </p:cSld>
+  <p:clrMapOvr>
+    <a:masterClrMapping/>
+  </p:clrMapOvr>
+  <p:transition spd="slow">
+    <p:wipe dir="d"/>
+  </p:transition>
+</p:sld>
+</file>
+
+<file path=ppt/slides/slide2.xml><?xml version="1.0" encoding="utf-8"?>
+<p:sld xmlns:a="http://schemas.openxmlformats.org/drawingml/2006/main" xmlns:r="http://schemas.openxmlformats.org/officeDocument/2006/relationships" xmlns:p="http://schemas.openxmlformats.org/presentationml/2006/main">
+  <p:cSld>
+    <p:spTree>
+      <p:nvGrpSpPr>
+        <p:cNvPr id="1" name=""/>
+        <p:cNvGrpSpPr/>
+        <p:nvPr/>
+      </p:nvGrpSpPr>
+      <p:grpSpPr>
+        <a:xfrm>
+          <a:off x="0" y="0"/>
+          <a:ext cx="0" cy="0"/>
+          <a:chOff x="0" y="0"/>
+          <a:chExt cx="0" cy="0"/>
+        </a:xfrm>
+      </p:grpSpPr>
+      <p:sp>
+        <p:nvSpPr>
+          <p:cNvPr id="2" name="Title 1"/>
+          <p:cNvSpPr>
+            <a:spLocks noGrp="1"/>
+          </p:cNvSpPr>
+          <p:nvPr>
+            <p:ph type="title"/>
+          </p:nvPr>
+        </p:nvSpPr>
+        <p:spPr>
+          <a:xfrm>
+            <a:off x="670515" y="86755"/>
+            <a:ext cx="8077200" cy="480806"/>
+          </a:xfrm>
+        </p:spPr>
+        <p:txBody>
+          <a:bodyPr>
+            <a:normAutofit fontScale="90000"/>
+          </a:bodyPr>
+          <a:lstStyle/>
+          <a:p>
+            <a:r>
+              <a:rPr lang="en-US" sz="3600" dirty="0">
+                <a:solidFill>
+                  <a:schemeClr val="accent2"/>
+                </a:solidFill>
+                <a:latin typeface="Arial" panose="020B0604020202020204" pitchFamily="34" charset="0"/>
+                <a:cs typeface="Arial" panose="020B0604020202020204" pitchFamily="34" charset="0"/>
+              </a:rPr>
+              <a:t>Links to Notebooks, Books and URLs</a:t>
+            </a:r>
+          </a:p>
+        </p:txBody>
+      </p:sp>
+      <p:sp>
+        <p:nvSpPr>
+          <p:cNvPr id="31" name="TextBox 30">
+            <a:extLst>
+              <a:ext uri="{FF2B5EF4-FFF2-40B4-BE49-F238E27FC236}">
+                <a16:creationId xmlns:a16="http://schemas.microsoft.com/office/drawing/2014/main" id="{1134EB7A-4CA3-4E27-A254-01A6C630DAB4}"/>
+              </a:ext>
+            </a:extLst>
+          </p:cNvPr>
+          <p:cNvSpPr txBox="1"/>
+          <p:nvPr/>
+        </p:nvSpPr>
+        <p:spPr>
+          <a:xfrm>
+            <a:off x="670515" y="990600"/>
+            <a:ext cx="8169974" cy="3754874"/>
+          </a:xfrm>
+          <a:prstGeom prst="rect">
+            <a:avLst/>
+          </a:prstGeom>
+          <a:noFill/>
+        </p:spPr>
+        <p:txBody>
+          <a:bodyPr wrap="square" rtlCol="0">
+            <a:spAutoFit/>
+          </a:bodyPr>
+          <a:lstStyle/>
+          <a:p>
+            <a:pPr marL="342900" indent="-342900">
+              <a:buFont typeface="+mj-lt"/>
+              <a:buAutoNum type="arabicPeriod"/>
+            </a:pPr>
+            <a:r>
+              <a:rPr lang="en-US" sz="1400" dirty="0">
+                <a:solidFill>
+                  <a:srgbClr val="1F497D"/>
+                </a:solidFill>
+                <a:latin typeface="Arial" panose="020B0604020202020204" pitchFamily="34" charset="0"/>
+                <a:cs typeface="Arial" panose="020B0604020202020204" pitchFamily="34" charset="0"/>
+              </a:rPr>
+              <a:t>Course homepage: </a:t>
+            </a:r>
+            <a:r>
+              <a:rPr lang="en-US" sz="1400" dirty="0">
+                <a:solidFill>
+                  <a:srgbClr val="1F497D"/>
+                </a:solidFill>
+                <a:latin typeface="Arial" panose="020B0604020202020204" pitchFamily="34" charset="0"/>
+                <a:cs typeface="Arial" panose="020B0604020202020204" pitchFamily="34" charset="0"/>
+                <a:hlinkClick r:id="rId3"/>
+              </a:rPr>
+              <a:t>https://course2019.netlify.com/</a:t>
+            </a:r>
+            <a:r>
+              <a:rPr lang="en-US" sz="1400" dirty="0">
+                <a:solidFill>
+                  <a:srgbClr val="1F497D"/>
+                </a:solidFill>
+                <a:latin typeface="Arial" panose="020B0604020202020204" pitchFamily="34" charset="0"/>
+                <a:cs typeface="Arial" panose="020B0604020202020204" pitchFamily="34" charset="0"/>
+              </a:rPr>
+              <a:t> </a:t>
+            </a:r>
+          </a:p>
+          <a:p>
+            <a:pPr marL="342900" indent="-342900">
+              <a:buFont typeface="+mj-lt"/>
+              <a:buAutoNum type="arabicPeriod"/>
+            </a:pPr>
+            <a:r>
+              <a:rPr lang="en-US" sz="1400" dirty="0" err="1">
+                <a:solidFill>
+                  <a:srgbClr val="1F497D"/>
+                </a:solidFill>
+                <a:latin typeface="Arial" panose="020B0604020202020204" pitchFamily="34" charset="0"/>
+                <a:cs typeface="Arial" panose="020B0604020202020204" pitchFamily="34" charset="0"/>
+              </a:rPr>
+              <a:t>Databrick</a:t>
+            </a:r>
+            <a:r>
+              <a:rPr lang="en-US" sz="1400" dirty="0">
+                <a:solidFill>
+                  <a:srgbClr val="1F497D"/>
+                </a:solidFill>
+                <a:latin typeface="Arial" panose="020B0604020202020204" pitchFamily="34" charset="0"/>
+                <a:cs typeface="Arial" panose="020B0604020202020204" pitchFamily="34" charset="0"/>
+              </a:rPr>
+              <a:t> free </a:t>
+            </a:r>
+            <a:r>
+              <a:rPr lang="en-US" sz="1400" u="sng" dirty="0">
+                <a:solidFill>
+                  <a:schemeClr val="accent2"/>
+                </a:solidFill>
+                <a:latin typeface="Arial" panose="020B0604020202020204" pitchFamily="34" charset="0"/>
+                <a:cs typeface="Arial" panose="020B0604020202020204" pitchFamily="34" charset="0"/>
+              </a:rPr>
+              <a:t>community edition </a:t>
+            </a:r>
+            <a:r>
+              <a:rPr lang="en-US" sz="1400" dirty="0">
+                <a:solidFill>
+                  <a:srgbClr val="1F497D"/>
+                </a:solidFill>
+                <a:latin typeface="Arial" panose="020B0604020202020204" pitchFamily="34" charset="0"/>
+                <a:cs typeface="Arial" panose="020B0604020202020204" pitchFamily="34" charset="0"/>
+              </a:rPr>
+              <a:t>account open: </a:t>
+            </a:r>
+            <a:r>
+              <a:rPr lang="en-US" sz="1400" dirty="0">
+                <a:solidFill>
+                  <a:srgbClr val="1F497D"/>
+                </a:solidFill>
+                <a:latin typeface="Arial" panose="020B0604020202020204" pitchFamily="34" charset="0"/>
+                <a:cs typeface="Arial" panose="020B0604020202020204" pitchFamily="34" charset="0"/>
+                <a:hlinkClick r:id="rId4"/>
+              </a:rPr>
+              <a:t>link</a:t>
+            </a:r>
+            <a:endParaRPr lang="en-US" sz="1400" dirty="0">
+              <a:solidFill>
+                <a:srgbClr val="1F497D"/>
+              </a:solidFill>
+              <a:latin typeface="Arial" panose="020B0604020202020204" pitchFamily="34" charset="0"/>
+              <a:cs typeface="Arial" panose="020B0604020202020204" pitchFamily="34" charset="0"/>
+            </a:endParaRPr>
+          </a:p>
+          <a:p>
+            <a:pPr marL="342900" indent="-342900">
+              <a:buFont typeface="+mj-lt"/>
+              <a:buAutoNum type="arabicPeriod"/>
+            </a:pPr>
+            <a:r>
+              <a:rPr lang="en-US" sz="1400" dirty="0">
+                <a:solidFill>
+                  <a:srgbClr val="1F497D"/>
+                </a:solidFill>
+                <a:latin typeface="Arial" panose="020B0604020202020204" pitchFamily="34" charset="0"/>
+                <a:cs typeface="Arial" panose="020B0604020202020204" pitchFamily="34" charset="0"/>
+              </a:rPr>
+              <a:t>Perceptron notebook: </a:t>
+            </a:r>
+            <a:r>
+              <a:rPr lang="en-US" sz="1400" dirty="0">
+                <a:solidFill>
+                  <a:srgbClr val="1F497D"/>
+                </a:solidFill>
+                <a:latin typeface="Arial" panose="020B0604020202020204" pitchFamily="34" charset="0"/>
+                <a:cs typeface="Arial" panose="020B0604020202020204" pitchFamily="34" charset="0"/>
+                <a:hlinkClick r:id="rId5"/>
+              </a:rPr>
+              <a:t>link</a:t>
+            </a:r>
+            <a:endParaRPr lang="en-US" sz="1400" dirty="0">
+              <a:solidFill>
+                <a:srgbClr val="1F497D"/>
+              </a:solidFill>
+              <a:latin typeface="Arial" panose="020B0604020202020204" pitchFamily="34" charset="0"/>
+              <a:cs typeface="Arial" panose="020B0604020202020204" pitchFamily="34" charset="0"/>
+            </a:endParaRPr>
+          </a:p>
+          <a:p>
+            <a:pPr marL="342900" indent="-342900">
+              <a:buFont typeface="+mj-lt"/>
+              <a:buAutoNum type="arabicPeriod"/>
+            </a:pPr>
+            <a:r>
+              <a:rPr lang="en-US" sz="1400" dirty="0" err="1">
+                <a:solidFill>
+                  <a:srgbClr val="1F497D"/>
+                </a:solidFill>
+                <a:latin typeface="Arial" panose="020B0604020202020204" pitchFamily="34" charset="0"/>
+                <a:cs typeface="Arial" panose="020B0604020202020204" pitchFamily="34" charset="0"/>
+              </a:rPr>
+              <a:t>Adaline</a:t>
+            </a:r>
+            <a:r>
+              <a:rPr lang="en-US" sz="1400" dirty="0">
+                <a:solidFill>
+                  <a:srgbClr val="1F497D"/>
+                </a:solidFill>
+                <a:latin typeface="Arial" panose="020B0604020202020204" pitchFamily="34" charset="0"/>
+                <a:cs typeface="Arial" panose="020B0604020202020204" pitchFamily="34" charset="0"/>
+              </a:rPr>
+              <a:t> notebook: </a:t>
+            </a:r>
+            <a:r>
+              <a:rPr lang="en-US" sz="1400" dirty="0">
+                <a:solidFill>
+                  <a:srgbClr val="1F497D"/>
+                </a:solidFill>
+                <a:latin typeface="Arial" panose="020B0604020202020204" pitchFamily="34" charset="0"/>
+                <a:cs typeface="Arial" panose="020B0604020202020204" pitchFamily="34" charset="0"/>
+                <a:hlinkClick r:id="rId6"/>
+              </a:rPr>
+              <a:t>link</a:t>
+            </a:r>
+            <a:endParaRPr lang="en-US" sz="1400" dirty="0">
+              <a:solidFill>
+                <a:srgbClr val="1F497D"/>
+              </a:solidFill>
+              <a:latin typeface="Arial" panose="020B0604020202020204" pitchFamily="34" charset="0"/>
+              <a:cs typeface="Arial" panose="020B0604020202020204" pitchFamily="34" charset="0"/>
+            </a:endParaRPr>
+          </a:p>
+          <a:p>
+            <a:pPr marL="342900" indent="-342900">
+              <a:buFont typeface="+mj-lt"/>
+              <a:buAutoNum type="arabicPeriod"/>
+            </a:pPr>
+            <a:r>
+              <a:rPr lang="en-US" sz="1400" dirty="0">
+                <a:solidFill>
+                  <a:srgbClr val="1F497D"/>
+                </a:solidFill>
+                <a:latin typeface="Arial" panose="020B0604020202020204" pitchFamily="34" charset="0"/>
+                <a:cs typeface="Arial" panose="020B0604020202020204" pitchFamily="34" charset="0"/>
+              </a:rPr>
+              <a:t>Feedforward neural network notebook: </a:t>
+            </a:r>
+            <a:r>
+              <a:rPr lang="en-US" sz="1400" dirty="0">
+                <a:solidFill>
+                  <a:srgbClr val="1F497D"/>
+                </a:solidFill>
+                <a:latin typeface="Arial" panose="020B0604020202020204" pitchFamily="34" charset="0"/>
+                <a:cs typeface="Arial" panose="020B0604020202020204" pitchFamily="34" charset="0"/>
+                <a:hlinkClick r:id="rId7"/>
+              </a:rPr>
+              <a:t>link</a:t>
+            </a:r>
+            <a:endParaRPr lang="en-US" sz="1400" dirty="0">
+              <a:solidFill>
+                <a:srgbClr val="1F497D"/>
+              </a:solidFill>
+              <a:latin typeface="Arial" panose="020B0604020202020204" pitchFamily="34" charset="0"/>
+              <a:cs typeface="Arial" panose="020B0604020202020204" pitchFamily="34" charset="0"/>
+            </a:endParaRPr>
+          </a:p>
+          <a:p>
+            <a:pPr marL="342900" indent="-342900">
+              <a:buFont typeface="+mj-lt"/>
+              <a:buAutoNum type="arabicPeriod"/>
+            </a:pPr>
+            <a:r>
+              <a:rPr lang="en-US" sz="1400" dirty="0">
+                <a:solidFill>
+                  <a:srgbClr val="1F497D"/>
+                </a:solidFill>
+                <a:latin typeface="Arial" panose="020B0604020202020204" pitchFamily="34" charset="0"/>
+                <a:cs typeface="Arial" panose="020B0604020202020204" pitchFamily="34" charset="0"/>
+              </a:rPr>
+              <a:t>Convolutional neural network notebook: </a:t>
+            </a:r>
+            <a:r>
+              <a:rPr lang="en-US" sz="1400" dirty="0">
+                <a:solidFill>
+                  <a:srgbClr val="1F497D"/>
+                </a:solidFill>
+                <a:latin typeface="Arial" panose="020B0604020202020204" pitchFamily="34" charset="0"/>
+                <a:cs typeface="Arial" panose="020B0604020202020204" pitchFamily="34" charset="0"/>
+                <a:hlinkClick r:id="rId8"/>
+              </a:rPr>
+              <a:t>link</a:t>
+            </a:r>
+            <a:r>
+              <a:rPr lang="en-US" sz="1400" dirty="0">
+                <a:solidFill>
+                  <a:srgbClr val="1F497D"/>
+                </a:solidFill>
+                <a:latin typeface="Arial" panose="020B0604020202020204" pitchFamily="34" charset="0"/>
+                <a:cs typeface="Arial" panose="020B0604020202020204" pitchFamily="34" charset="0"/>
+              </a:rPr>
+              <a:t> </a:t>
+            </a:r>
+          </a:p>
+          <a:p>
+            <a:pPr marL="342900" indent="-342900">
+              <a:buFont typeface="+mj-lt"/>
+              <a:buAutoNum type="arabicPeriod"/>
+            </a:pPr>
+            <a:r>
+              <a:rPr lang="en-US" sz="1400" dirty="0">
+                <a:solidFill>
+                  <a:srgbClr val="1F497D"/>
+                </a:solidFill>
+                <a:latin typeface="Arial" panose="020B0604020202020204" pitchFamily="34" charset="0"/>
+                <a:cs typeface="Arial" panose="020B0604020202020204" pitchFamily="34" charset="0"/>
+              </a:rPr>
+              <a:t>Recurrent neural network notebook: </a:t>
+            </a:r>
+            <a:r>
+              <a:rPr lang="en-US" sz="1400" dirty="0">
+                <a:solidFill>
+                  <a:srgbClr val="1F497D"/>
+                </a:solidFill>
+                <a:latin typeface="Arial" panose="020B0604020202020204" pitchFamily="34" charset="0"/>
+                <a:cs typeface="Arial" panose="020B0604020202020204" pitchFamily="34" charset="0"/>
+                <a:hlinkClick r:id="rId9"/>
+              </a:rPr>
+              <a:t>link</a:t>
+            </a:r>
+            <a:endParaRPr lang="en-US" sz="1400" dirty="0">
+              <a:solidFill>
+                <a:srgbClr val="1F497D"/>
+              </a:solidFill>
+              <a:latin typeface="Arial" panose="020B0604020202020204" pitchFamily="34" charset="0"/>
+              <a:cs typeface="Arial" panose="020B0604020202020204" pitchFamily="34" charset="0"/>
+            </a:endParaRPr>
+          </a:p>
+          <a:p>
+            <a:pPr marL="342900" indent="-342900">
+              <a:buFont typeface="+mj-lt"/>
+              <a:buAutoNum type="arabicPeriod"/>
+            </a:pPr>
+            <a:r>
+              <a:rPr lang="en-US" sz="1400" dirty="0">
+                <a:solidFill>
+                  <a:srgbClr val="1F497D"/>
+                </a:solidFill>
+                <a:latin typeface="Arial" panose="020B0604020202020204" pitchFamily="34" charset="0"/>
+                <a:cs typeface="Arial" panose="020B0604020202020204" pitchFamily="34" charset="0"/>
+              </a:rPr>
+              <a:t>Big Data Platform notebook: </a:t>
+            </a:r>
+            <a:r>
+              <a:rPr lang="en-US" sz="1400" dirty="0">
+                <a:solidFill>
+                  <a:srgbClr val="1F497D"/>
+                </a:solidFill>
+                <a:latin typeface="Arial" panose="020B0604020202020204" pitchFamily="34" charset="0"/>
+                <a:cs typeface="Arial" panose="020B0604020202020204" pitchFamily="34" charset="0"/>
+                <a:hlinkClick r:id="rId10"/>
+              </a:rPr>
+              <a:t>link</a:t>
+            </a:r>
+            <a:endParaRPr lang="en-US" sz="1400" dirty="0">
+              <a:solidFill>
+                <a:srgbClr val="1F497D"/>
+              </a:solidFill>
+              <a:latin typeface="Arial" panose="020B0604020202020204" pitchFamily="34" charset="0"/>
+              <a:cs typeface="Arial" panose="020B0604020202020204" pitchFamily="34" charset="0"/>
+            </a:endParaRPr>
+          </a:p>
+          <a:p>
+            <a:pPr marL="342900" indent="-342900">
+              <a:buFont typeface="+mj-lt"/>
+              <a:buAutoNum type="arabicPeriod"/>
+            </a:pPr>
+            <a:r>
+              <a:rPr lang="en-US" sz="1400" dirty="0">
+                <a:solidFill>
+                  <a:srgbClr val="1F497D"/>
+                </a:solidFill>
+                <a:latin typeface="Arial" panose="020B0604020202020204" pitchFamily="34" charset="0"/>
+                <a:cs typeface="Arial" panose="020B0604020202020204" pitchFamily="34" charset="0"/>
+              </a:rPr>
+              <a:t>Data preprocessing notebook: </a:t>
+            </a:r>
+            <a:r>
+              <a:rPr lang="en-US" sz="1400" dirty="0">
+                <a:solidFill>
+                  <a:srgbClr val="1F497D"/>
+                </a:solidFill>
+                <a:latin typeface="Arial" panose="020B0604020202020204" pitchFamily="34" charset="0"/>
+                <a:cs typeface="Arial" panose="020B0604020202020204" pitchFamily="34" charset="0"/>
+                <a:hlinkClick r:id="rId11"/>
+              </a:rPr>
+              <a:t>link</a:t>
+            </a:r>
+            <a:r>
+              <a:rPr lang="en-US" sz="1400" dirty="0">
+                <a:solidFill>
+                  <a:srgbClr val="1F497D"/>
+                </a:solidFill>
+                <a:latin typeface="Arial" panose="020B0604020202020204" pitchFamily="34" charset="0"/>
+                <a:cs typeface="Arial" panose="020B0604020202020204" pitchFamily="34" charset="0"/>
+              </a:rPr>
+              <a:t> </a:t>
+            </a:r>
+          </a:p>
+          <a:p>
+            <a:pPr marL="342900" indent="-342900">
+              <a:buFont typeface="+mj-lt"/>
+              <a:buAutoNum type="arabicPeriod"/>
+            </a:pPr>
+            <a:r>
+              <a:rPr lang="en-US" sz="1400" dirty="0">
+                <a:solidFill>
+                  <a:srgbClr val="1F497D"/>
+                </a:solidFill>
+                <a:latin typeface="Arial" panose="020B0604020202020204" pitchFamily="34" charset="0"/>
+                <a:cs typeface="Arial" panose="020B0604020202020204" pitchFamily="34" charset="0"/>
+              </a:rPr>
+              <a:t>Data wrangling notebook: </a:t>
+            </a:r>
+            <a:r>
+              <a:rPr lang="en-US" sz="1400" dirty="0">
+                <a:solidFill>
+                  <a:srgbClr val="1F497D"/>
+                </a:solidFill>
+                <a:latin typeface="Arial" panose="020B0604020202020204" pitchFamily="34" charset="0"/>
+                <a:cs typeface="Arial" panose="020B0604020202020204" pitchFamily="34" charset="0"/>
+                <a:hlinkClick r:id="rId12"/>
+              </a:rPr>
+              <a:t>link</a:t>
+            </a:r>
+            <a:r>
+              <a:rPr lang="en-US" sz="1400" dirty="0">
+                <a:solidFill>
+                  <a:srgbClr val="1F497D"/>
+                </a:solidFill>
+                <a:latin typeface="Arial" panose="020B0604020202020204" pitchFamily="34" charset="0"/>
+                <a:cs typeface="Arial" panose="020B0604020202020204" pitchFamily="34" charset="0"/>
+              </a:rPr>
+              <a:t> </a:t>
+            </a:r>
+          </a:p>
+          <a:p>
+            <a:pPr marL="342900" indent="-342900">
+              <a:buFont typeface="+mj-lt"/>
+              <a:buAutoNum type="arabicPeriod"/>
+            </a:pPr>
+            <a:r>
+              <a:rPr lang="en-US" sz="1400" dirty="0">
+                <a:solidFill>
+                  <a:srgbClr val="1F497D"/>
+                </a:solidFill>
+                <a:latin typeface="Arial" panose="020B0604020202020204" pitchFamily="34" charset="0"/>
+                <a:cs typeface="Arial" panose="020B0604020202020204" pitchFamily="34" charset="0"/>
+              </a:rPr>
+              <a:t>Industry recommendations for academic data science programs: </a:t>
+            </a:r>
+            <a:r>
+              <a:rPr lang="en-US" sz="1400" dirty="0">
+                <a:solidFill>
+                  <a:srgbClr val="1F497D"/>
+                </a:solidFill>
+                <a:latin typeface="Arial" panose="020B0604020202020204" pitchFamily="34" charset="0"/>
+                <a:cs typeface="Arial" panose="020B0604020202020204" pitchFamily="34" charset="0"/>
+                <a:hlinkClick r:id="rId13"/>
+              </a:rPr>
+              <a:t>link</a:t>
+            </a:r>
+            <a:endParaRPr lang="en-US" sz="1400" dirty="0">
+              <a:solidFill>
+                <a:srgbClr val="1F497D"/>
+              </a:solidFill>
+              <a:latin typeface="Arial" panose="020B0604020202020204" pitchFamily="34" charset="0"/>
+              <a:cs typeface="Arial" panose="020B0604020202020204" pitchFamily="34" charset="0"/>
+            </a:endParaRPr>
+          </a:p>
+          <a:p>
+            <a:pPr marL="342900" indent="-342900">
+              <a:buFont typeface="+mj-lt"/>
+              <a:buAutoNum type="arabicPeriod"/>
+            </a:pPr>
+            <a:r>
+              <a:rPr lang="en-US" sz="1400" dirty="0">
+                <a:solidFill>
+                  <a:schemeClr val="tx2"/>
+                </a:solidFill>
+                <a:latin typeface="Arial" panose="020B0604020202020204" pitchFamily="34" charset="0"/>
+                <a:cs typeface="Arial" panose="020B0604020202020204" pitchFamily="34" charset="0"/>
+              </a:rPr>
+              <a:t>Deep Learning Using R, </a:t>
+            </a:r>
+            <a:r>
+              <a:rPr lang="fr-FR" sz="1400" dirty="0">
+                <a:solidFill>
+                  <a:schemeClr val="tx2"/>
+                </a:solidFill>
+                <a:latin typeface="Arial" panose="020B0604020202020204" pitchFamily="34" charset="0"/>
+                <a:cs typeface="Arial" panose="020B0604020202020204" pitchFamily="34" charset="0"/>
+              </a:rPr>
+              <a:t>François Chollet </a:t>
+            </a:r>
+            <a:r>
+              <a:rPr lang="fr-FR" sz="1400" dirty="0" err="1">
+                <a:solidFill>
+                  <a:schemeClr val="tx2"/>
+                </a:solidFill>
+                <a:latin typeface="Arial" panose="020B0604020202020204" pitchFamily="34" charset="0"/>
+                <a:cs typeface="Arial" panose="020B0604020202020204" pitchFamily="34" charset="0"/>
+              </a:rPr>
+              <a:t>with</a:t>
+            </a:r>
+            <a:r>
+              <a:rPr lang="fr-FR" sz="1400" dirty="0">
+                <a:solidFill>
+                  <a:schemeClr val="tx2"/>
+                </a:solidFill>
+                <a:latin typeface="Arial" panose="020B0604020202020204" pitchFamily="34" charset="0"/>
+                <a:cs typeface="Arial" panose="020B0604020202020204" pitchFamily="34" charset="0"/>
+              </a:rPr>
+              <a:t> J. J. Allaire, ISBN 9781617295546 (2018)</a:t>
+            </a:r>
+          </a:p>
+          <a:p>
+            <a:pPr marL="342900" indent="-342900">
+              <a:buFont typeface="+mj-lt"/>
+              <a:buAutoNum type="arabicPeriod"/>
+            </a:pPr>
+            <a:r>
+              <a:rPr lang="fr-FR" sz="1400" dirty="0">
+                <a:solidFill>
+                  <a:schemeClr val="tx2"/>
+                </a:solidFill>
+                <a:latin typeface="Arial" panose="020B0604020202020204" pitchFamily="34" charset="0"/>
+                <a:cs typeface="Arial" panose="020B0604020202020204" pitchFamily="34" charset="0"/>
+              </a:rPr>
+              <a:t>Python Machine Learning by </a:t>
+            </a:r>
+            <a:r>
+              <a:rPr lang="fr-FR" sz="1400" dirty="0" err="1">
+                <a:solidFill>
+                  <a:schemeClr val="tx2"/>
+                </a:solidFill>
+                <a:latin typeface="Arial" panose="020B0604020202020204" pitchFamily="34" charset="0"/>
+                <a:cs typeface="Arial" panose="020B0604020202020204" pitchFamily="34" charset="0"/>
+              </a:rPr>
+              <a:t>Sebastian</a:t>
+            </a:r>
+            <a:r>
+              <a:rPr lang="fr-FR" sz="1400" dirty="0">
+                <a:solidFill>
+                  <a:schemeClr val="tx2"/>
+                </a:solidFill>
+                <a:latin typeface="Arial" panose="020B0604020202020204" pitchFamily="34" charset="0"/>
+                <a:cs typeface="Arial" panose="020B0604020202020204" pitchFamily="34" charset="0"/>
+              </a:rPr>
+              <a:t> </a:t>
+            </a:r>
+            <a:r>
+              <a:rPr lang="fr-FR" sz="1400" dirty="0" err="1">
+                <a:solidFill>
+                  <a:schemeClr val="tx2"/>
+                </a:solidFill>
+                <a:latin typeface="Arial" panose="020B0604020202020204" pitchFamily="34" charset="0"/>
+                <a:cs typeface="Arial" panose="020B0604020202020204" pitchFamily="34" charset="0"/>
+              </a:rPr>
+              <a:t>Raschka</a:t>
+            </a:r>
+            <a:r>
+              <a:rPr lang="fr-FR" sz="1400" dirty="0">
+                <a:solidFill>
+                  <a:schemeClr val="tx2"/>
+                </a:solidFill>
+                <a:latin typeface="Arial" panose="020B0604020202020204" pitchFamily="34" charset="0"/>
+                <a:cs typeface="Arial" panose="020B0604020202020204" pitchFamily="34" charset="0"/>
+              </a:rPr>
+              <a:t>, ISBN-13: 978-1787125933 (2018)</a:t>
+            </a:r>
+          </a:p>
+          <a:p>
+            <a:pPr marL="342900" indent="-342900">
+              <a:buFont typeface="+mj-lt"/>
+              <a:buAutoNum type="arabicPeriod"/>
+            </a:pPr>
+            <a:r>
+              <a:rPr lang="en-US" sz="1400" dirty="0">
+                <a:solidFill>
+                  <a:schemeClr val="tx2"/>
+                </a:solidFill>
+                <a:latin typeface="Arial" panose="020B0604020202020204" pitchFamily="34" charset="0"/>
+                <a:cs typeface="Arial" panose="020B0604020202020204" pitchFamily="34" charset="0"/>
+                <a:hlinkClick r:id="rId14"/>
+              </a:rPr>
+              <a:t>https://keras.rstudio.com/</a:t>
+            </a:r>
+            <a:r>
+              <a:rPr lang="en-US" sz="1400" dirty="0">
+                <a:solidFill>
+                  <a:schemeClr val="tx2"/>
+                </a:solidFill>
+                <a:latin typeface="Arial" panose="020B0604020202020204" pitchFamily="34" charset="0"/>
+                <a:cs typeface="Arial" panose="020B0604020202020204" pitchFamily="34" charset="0"/>
+              </a:rPr>
+              <a:t> </a:t>
+            </a:r>
+          </a:p>
+          <a:p>
+            <a:pPr marL="342900" indent="-342900">
+              <a:buFont typeface="+mj-lt"/>
+              <a:buAutoNum type="arabicPeriod"/>
+            </a:pPr>
+            <a:r>
+              <a:rPr lang="en-US" sz="1400" dirty="0">
+                <a:solidFill>
+                  <a:schemeClr val="tx2"/>
+                </a:solidFill>
+                <a:latin typeface="Arial" panose="020B0604020202020204" pitchFamily="34" charset="0"/>
+                <a:cs typeface="Arial" panose="020B0604020202020204" pitchFamily="34" charset="0"/>
+                <a:hlinkClick r:id="rId15"/>
+              </a:rPr>
+              <a:t>http://spark.rstudio.com/</a:t>
+            </a:r>
+            <a:endParaRPr lang="en-US" sz="1400" dirty="0">
+              <a:solidFill>
+                <a:schemeClr val="tx2"/>
+              </a:solidFill>
+              <a:latin typeface="Arial" panose="020B0604020202020204" pitchFamily="34" charset="0"/>
+              <a:cs typeface="Arial" panose="020B0604020202020204" pitchFamily="34" charset="0"/>
+            </a:endParaRPr>
+          </a:p>
+          <a:p>
+            <a:pPr marL="342900" indent="-342900">
+              <a:buFont typeface="+mj-lt"/>
+              <a:buAutoNum type="arabicPeriod"/>
+            </a:pPr>
+            <a:r>
+              <a:rPr lang="en-US" sz="1400" dirty="0">
+                <a:solidFill>
+                  <a:schemeClr val="tx2"/>
+                </a:solidFill>
+                <a:latin typeface="Arial" panose="020B0604020202020204" pitchFamily="34" charset="0"/>
+                <a:cs typeface="Arial" panose="020B0604020202020204" pitchFamily="34" charset="0"/>
+                <a:hlinkClick r:id="rId16"/>
+              </a:rPr>
+              <a:t>https://databricks.com/spark/about</a:t>
+            </a:r>
+            <a:endParaRPr lang="en-US" sz="1400" dirty="0">
+              <a:solidFill>
+                <a:schemeClr val="tx2"/>
+              </a:solidFill>
+              <a:latin typeface="Arial" panose="020B0604020202020204" pitchFamily="34" charset="0"/>
+              <a:cs typeface="Arial" panose="020B0604020202020204" pitchFamily="34" charset="0"/>
+            </a:endParaRPr>
+          </a:p>
+          <a:p>
+            <a:pPr marL="342900" indent="-342900">
+              <a:buFont typeface="+mj-lt"/>
+              <a:buAutoNum type="arabicPeriod"/>
+            </a:pPr>
+            <a:r>
+              <a:rPr lang="en-US" sz="1400" dirty="0">
+                <a:solidFill>
+                  <a:schemeClr val="tx2"/>
+                </a:solidFill>
+                <a:latin typeface="Arial" panose="020B0604020202020204" pitchFamily="34" charset="0"/>
+                <a:cs typeface="Arial" panose="020B0604020202020204" pitchFamily="34" charset="0"/>
+                <a:hlinkClick r:id="rId17"/>
+              </a:rPr>
+              <a:t>https://github.com/onnx/onnx</a:t>
+            </a:r>
+            <a:r>
+              <a:rPr lang="en-US" sz="1400" dirty="0">
+                <a:solidFill>
+                  <a:schemeClr val="tx2"/>
+                </a:solidFill>
+                <a:latin typeface="Arial" panose="020B0604020202020204" pitchFamily="34" charset="0"/>
+                <a:cs typeface="Arial" panose="020B0604020202020204" pitchFamily="34" charset="0"/>
+              </a:rPr>
+              <a:t> </a:t>
+            </a:r>
+          </a:p>
+        </p:txBody>
+      </p:sp>
+    </p:spTree>
+    <p:extLst>
+      <p:ext uri="{BB962C8B-B14F-4D97-AF65-F5344CB8AC3E}">
+        <p14:creationId xmlns:p14="http://schemas.microsoft.com/office/powerpoint/2010/main" val="1315689383"/>
+      </p:ext>
+    </p:extLst>
+  </p:cSld>
+  <p:clrMapOvr>
+    <a:masterClrMapping/>
+  </p:clrMapOvr>
+  <p:transition spd="slow">
+    <p:wipe dir="d"/>
+  </p:transition>
+</p:sld>
+</file>
+
+<file path=ppt/slides/slide20.xml><?xml version="1.0" encoding="utf-8"?>
+<p:sld xmlns:a="http://schemas.openxmlformats.org/drawingml/2006/main" xmlns:r="http://schemas.openxmlformats.org/officeDocument/2006/relationships" xmlns:p="http://schemas.openxmlformats.org/presentationml/2006/main">
+  <p:cSld>
+    <p:spTree>
+      <p:nvGrpSpPr>
+        <p:cNvPr id="1" name=""/>
+        <p:cNvGrpSpPr/>
+        <p:nvPr/>
+      </p:nvGrpSpPr>
+      <p:grpSpPr>
+        <a:xfrm>
+          <a:off x="0" y="0"/>
+          <a:ext cx="0" cy="0"/>
+          <a:chOff x="0" y="0"/>
+          <a:chExt cx="0" cy="0"/>
+        </a:xfrm>
+      </p:grpSpPr>
+      <p:sp>
+        <p:nvSpPr>
+          <p:cNvPr id="4" name="Title 1"/>
+          <p:cNvSpPr>
+            <a:spLocks noGrp="1"/>
+          </p:cNvSpPr>
+          <p:nvPr>
+            <p:ph type="title"/>
+          </p:nvPr>
+        </p:nvSpPr>
+        <p:spPr>
+          <a:xfrm>
+            <a:off x="762000" y="269632"/>
+            <a:ext cx="8077200" cy="492502"/>
+          </a:xfrm>
+        </p:spPr>
+        <p:txBody>
+          <a:bodyPr>
+            <a:normAutofit fontScale="90000"/>
+          </a:bodyPr>
+          <a:lstStyle/>
+          <a:p>
+            <a:r>
+              <a:rPr lang="en-US" sz="3600" dirty="0">
+                <a:solidFill>
+                  <a:schemeClr val="accent2"/>
+                </a:solidFill>
+              </a:rPr>
+              <a:t>IMDB </a:t>
+            </a:r>
+            <a:r>
+              <a:rPr lang="en-US" sz="3600" dirty="0" smtClean="0">
+                <a:solidFill>
+                  <a:schemeClr val="accent2"/>
+                </a:solidFill>
+              </a:rPr>
+              <a:t>Dataset - Tokenization</a:t>
+            </a:r>
+            <a:endParaRPr lang="en-US" sz="3600" dirty="0">
+              <a:solidFill>
+                <a:schemeClr val="accent2"/>
+              </a:solidFill>
+            </a:endParaRPr>
+          </a:p>
+        </p:txBody>
+      </p:sp>
+      <p:sp>
+        <p:nvSpPr>
+          <p:cNvPr id="5" name="TextBox 4"/>
+          <p:cNvSpPr txBox="1"/>
+          <p:nvPr/>
+        </p:nvSpPr>
+        <p:spPr>
+          <a:xfrm>
+            <a:off x="914399" y="2181999"/>
+            <a:ext cx="1229311" cy="369332"/>
+          </a:xfrm>
+          <a:prstGeom prst="rect">
+            <a:avLst/>
+          </a:prstGeom>
+          <a:ln/>
+        </p:spPr>
+        <p:style>
+          <a:lnRef idx="2">
+            <a:schemeClr val="accent1"/>
+          </a:lnRef>
+          <a:fillRef idx="1">
+            <a:schemeClr val="lt1"/>
+          </a:fillRef>
+          <a:effectRef idx="0">
+            <a:schemeClr val="accent1"/>
+          </a:effectRef>
+          <a:fontRef idx="minor">
+            <a:schemeClr val="dk1"/>
+          </a:fontRef>
+        </p:style>
+        <p:txBody>
+          <a:bodyPr wrap="square" rtlCol="0">
+            <a:spAutoFit/>
+          </a:bodyPr>
+          <a:lstStyle/>
+          <a:p>
+            <a:pPr algn="ctr"/>
+            <a:r>
+              <a:rPr lang="en-US" b="1" dirty="0" smtClean="0"/>
+              <a:t>Raw Text</a:t>
+            </a:r>
+            <a:endParaRPr lang="en-US" b="1" dirty="0"/>
+          </a:p>
+        </p:txBody>
+      </p:sp>
+      <p:sp>
+        <p:nvSpPr>
+          <p:cNvPr id="6" name="TextBox 5"/>
+          <p:cNvSpPr txBox="1"/>
+          <p:nvPr/>
+        </p:nvSpPr>
+        <p:spPr>
+          <a:xfrm>
+            <a:off x="2279617" y="1905000"/>
+            <a:ext cx="5673156" cy="1200329"/>
+          </a:xfrm>
+          <a:prstGeom prst="rect">
+            <a:avLst/>
+          </a:prstGeom>
+        </p:spPr>
+        <p:style>
+          <a:lnRef idx="2">
+            <a:schemeClr val="accent1"/>
+          </a:lnRef>
+          <a:fillRef idx="1">
+            <a:schemeClr val="lt1"/>
+          </a:fillRef>
+          <a:effectRef idx="0">
+            <a:schemeClr val="accent1"/>
+          </a:effectRef>
+          <a:fontRef idx="minor">
+            <a:schemeClr val="dk1"/>
+          </a:fontRef>
+        </p:style>
+        <p:txBody>
+          <a:bodyPr wrap="none" rtlCol="0">
+            <a:spAutoFit/>
+          </a:bodyPr>
+          <a:lstStyle/>
+          <a:p>
+            <a:r>
+              <a:rPr lang="en-US" dirty="0" smtClean="0"/>
+              <a:t>This movie is great !</a:t>
+            </a:r>
+          </a:p>
+          <a:p>
+            <a:r>
+              <a:rPr lang="en-US" dirty="0" smtClean="0"/>
+              <a:t>Great movie ? Are you kidding  me ! Not worth the money.</a:t>
+            </a:r>
+          </a:p>
+          <a:p>
+            <a:r>
+              <a:rPr lang="en-US" dirty="0" smtClean="0"/>
+              <a:t>Love it</a:t>
+            </a:r>
+          </a:p>
+          <a:p>
+            <a:r>
+              <a:rPr lang="en-US" dirty="0" smtClean="0"/>
+              <a:t>…</a:t>
+            </a:r>
+            <a:endParaRPr lang="en-US" dirty="0"/>
+          </a:p>
+        </p:txBody>
+      </p:sp>
+      <p:sp>
+        <p:nvSpPr>
+          <p:cNvPr id="7" name="TextBox 6"/>
+          <p:cNvSpPr txBox="1"/>
+          <p:nvPr/>
+        </p:nvSpPr>
+        <p:spPr>
+          <a:xfrm>
+            <a:off x="914398" y="979795"/>
+            <a:ext cx="7840767" cy="646331"/>
+          </a:xfrm>
+          <a:prstGeom prst="rect">
+            <a:avLst/>
+          </a:prstGeom>
+          <a:noFill/>
+        </p:spPr>
+        <p:txBody>
+          <a:bodyPr wrap="square" rtlCol="0">
+            <a:spAutoFit/>
+          </a:bodyPr>
+          <a:lstStyle/>
+          <a:p>
+            <a:r>
+              <a:rPr lang="en-US" b="1" i="1" dirty="0" smtClean="0">
+                <a:solidFill>
+                  <a:schemeClr val="accent6">
+                    <a:lumMod val="75000"/>
+                  </a:schemeClr>
+                </a:solidFill>
+              </a:rPr>
+              <a:t>Algorithm cannot deal with raw text and we have to convert text into numbers for machine learning methods.</a:t>
+            </a:r>
+            <a:endParaRPr lang="en-US" b="1" i="1" dirty="0">
+              <a:solidFill>
+                <a:schemeClr val="accent6">
+                  <a:lumMod val="75000"/>
+                </a:schemeClr>
+              </a:solidFill>
+            </a:endParaRPr>
+          </a:p>
+        </p:txBody>
+      </p:sp>
+      <p:sp>
+        <p:nvSpPr>
+          <p:cNvPr id="8" name="TextBox 7"/>
+          <p:cNvSpPr txBox="1"/>
+          <p:nvPr/>
+        </p:nvSpPr>
+        <p:spPr>
+          <a:xfrm>
+            <a:off x="919384" y="3501500"/>
+            <a:ext cx="1229311" cy="369332"/>
+          </a:xfrm>
+          <a:prstGeom prst="rect">
+            <a:avLst/>
+          </a:prstGeom>
+          <a:ln/>
+        </p:spPr>
+        <p:style>
+          <a:lnRef idx="2">
+            <a:schemeClr val="accent1"/>
+          </a:lnRef>
+          <a:fillRef idx="1">
+            <a:schemeClr val="lt1"/>
+          </a:fillRef>
+          <a:effectRef idx="0">
+            <a:schemeClr val="accent1"/>
+          </a:effectRef>
+          <a:fontRef idx="minor">
+            <a:schemeClr val="dk1"/>
+          </a:fontRef>
+        </p:style>
+        <p:txBody>
+          <a:bodyPr wrap="square" rtlCol="0">
+            <a:spAutoFit/>
+          </a:bodyPr>
+          <a:lstStyle/>
+          <a:p>
+            <a:pPr algn="ctr"/>
+            <a:r>
+              <a:rPr lang="en-US" b="1" dirty="0" smtClean="0"/>
+              <a:t>Tokenize</a:t>
+            </a:r>
+            <a:endParaRPr lang="en-US" b="1" dirty="0"/>
+          </a:p>
+        </p:txBody>
+      </p:sp>
+      <p:sp>
+        <p:nvSpPr>
+          <p:cNvPr id="9" name="TextBox 8"/>
+          <p:cNvSpPr txBox="1"/>
+          <p:nvPr/>
+        </p:nvSpPr>
+        <p:spPr>
+          <a:xfrm>
+            <a:off x="2279617" y="3302392"/>
+            <a:ext cx="4461478" cy="1200329"/>
+          </a:xfrm>
+          <a:prstGeom prst="rect">
+            <a:avLst/>
+          </a:prstGeom>
+        </p:spPr>
+        <p:style>
+          <a:lnRef idx="2">
+            <a:schemeClr val="accent1"/>
+          </a:lnRef>
+          <a:fillRef idx="1">
+            <a:schemeClr val="lt1"/>
+          </a:fillRef>
+          <a:effectRef idx="0">
+            <a:schemeClr val="accent1"/>
+          </a:effectRef>
+          <a:fontRef idx="minor">
+            <a:schemeClr val="dk1"/>
+          </a:fontRef>
+        </p:style>
+        <p:txBody>
+          <a:bodyPr wrap="none" rtlCol="0">
+            <a:spAutoFit/>
+          </a:bodyPr>
+          <a:lstStyle/>
+          <a:p>
+            <a:r>
+              <a:rPr lang="en-US" dirty="0" smtClean="0"/>
+              <a:t>[23, 55, 5, 78, </a:t>
+            </a:r>
+            <a:r>
+              <a:rPr lang="en-US" dirty="0"/>
+              <a:t>9</a:t>
+            </a:r>
+            <a:r>
+              <a:rPr lang="en-US" dirty="0" smtClean="0"/>
+              <a:t>]</a:t>
+            </a:r>
+          </a:p>
+          <a:p>
+            <a:r>
+              <a:rPr lang="en-US" dirty="0" smtClean="0"/>
+              <a:t>[78, 55, 8, 17, 12, 234, 33, 9, 14, 78, 32, 77, 4]</a:t>
+            </a:r>
+          </a:p>
+          <a:p>
+            <a:r>
+              <a:rPr lang="en-US" dirty="0" smtClean="0"/>
+              <a:t>[65, 36]</a:t>
+            </a:r>
+          </a:p>
+          <a:p>
+            <a:r>
+              <a:rPr lang="en-US" dirty="0" smtClean="0"/>
+              <a:t>…</a:t>
+            </a:r>
+            <a:endParaRPr lang="en-US" dirty="0"/>
+          </a:p>
+        </p:txBody>
+      </p:sp>
+      <p:sp>
+        <p:nvSpPr>
+          <p:cNvPr id="10" name="TextBox 9"/>
+          <p:cNvSpPr txBox="1"/>
+          <p:nvPr/>
+        </p:nvSpPr>
+        <p:spPr>
+          <a:xfrm>
+            <a:off x="873389" y="4804909"/>
+            <a:ext cx="1229311" cy="646331"/>
+          </a:xfrm>
+          <a:prstGeom prst="rect">
+            <a:avLst/>
+          </a:prstGeom>
+          <a:ln/>
+        </p:spPr>
+        <p:style>
+          <a:lnRef idx="2">
+            <a:schemeClr val="accent1"/>
+          </a:lnRef>
+          <a:fillRef idx="1">
+            <a:schemeClr val="lt1"/>
+          </a:fillRef>
+          <a:effectRef idx="0">
+            <a:schemeClr val="accent1"/>
+          </a:effectRef>
+          <a:fontRef idx="minor">
+            <a:schemeClr val="dk1"/>
+          </a:fontRef>
+        </p:style>
+        <p:txBody>
+          <a:bodyPr wrap="none" rtlCol="0">
+            <a:spAutoFit/>
+          </a:bodyPr>
+          <a:lstStyle/>
+          <a:p>
+            <a:pPr algn="ctr"/>
+            <a:r>
+              <a:rPr lang="en-US" b="1" dirty="0" smtClean="0"/>
+              <a:t>Pad</a:t>
+            </a:r>
+          </a:p>
+          <a:p>
+            <a:pPr algn="ctr"/>
+            <a:r>
+              <a:rPr lang="en-US" b="1" dirty="0" smtClean="0"/>
+              <a:t>&amp; Truncate</a:t>
+            </a:r>
+            <a:endParaRPr lang="en-US" b="1" dirty="0"/>
+          </a:p>
+        </p:txBody>
+      </p:sp>
+      <p:sp>
+        <p:nvSpPr>
+          <p:cNvPr id="11" name="TextBox 10"/>
+          <p:cNvSpPr txBox="1"/>
+          <p:nvPr/>
+        </p:nvSpPr>
+        <p:spPr>
+          <a:xfrm>
+            <a:off x="2279617" y="4657938"/>
+            <a:ext cx="3544560" cy="1200329"/>
+          </a:xfrm>
+          <a:prstGeom prst="rect">
+            <a:avLst/>
+          </a:prstGeom>
+        </p:spPr>
+        <p:style>
+          <a:lnRef idx="2">
+            <a:schemeClr val="accent1"/>
+          </a:lnRef>
+          <a:fillRef idx="1">
+            <a:schemeClr val="lt1"/>
+          </a:fillRef>
+          <a:effectRef idx="0">
+            <a:schemeClr val="accent1"/>
+          </a:effectRef>
+          <a:fontRef idx="minor">
+            <a:schemeClr val="dk1"/>
+          </a:fontRef>
+        </p:style>
+        <p:txBody>
+          <a:bodyPr wrap="none" rtlCol="0">
+            <a:spAutoFit/>
+          </a:bodyPr>
+          <a:lstStyle/>
+          <a:p>
+            <a:r>
+              <a:rPr lang="en-US" dirty="0" smtClean="0"/>
+              <a:t>[23, 55, 5, 78, 9, 0, 0, 0, 0, 0]</a:t>
+            </a:r>
+          </a:p>
+          <a:p>
+            <a:r>
+              <a:rPr lang="en-US" dirty="0" smtClean="0"/>
+              <a:t>[78, 55, 8, 17, 12, 234, 33, 9, 14, 78]</a:t>
+            </a:r>
+          </a:p>
+          <a:p>
+            <a:r>
+              <a:rPr lang="en-US" dirty="0"/>
+              <a:t>[65, </a:t>
+            </a:r>
+            <a:r>
+              <a:rPr lang="en-US" dirty="0" smtClean="0"/>
+              <a:t>36, 0, 0, 0, 0, 0, 0, 0, 0]</a:t>
+            </a:r>
+          </a:p>
+          <a:p>
+            <a:r>
+              <a:rPr lang="en-US" dirty="0" smtClean="0"/>
+              <a:t>…</a:t>
+            </a:r>
+            <a:endParaRPr lang="en-US" dirty="0"/>
+          </a:p>
+        </p:txBody>
+      </p:sp>
+      <p:sp>
+        <p:nvSpPr>
+          <p:cNvPr id="13" name="Down Arrow 12"/>
+          <p:cNvSpPr/>
+          <p:nvPr/>
+        </p:nvSpPr>
+        <p:spPr>
+          <a:xfrm>
+            <a:off x="1330146" y="2768992"/>
+            <a:ext cx="228600" cy="533400"/>
+          </a:xfrm>
+          <a:prstGeom prst="downArrow">
+            <a:avLst/>
+          </a:prstGeom>
+        </p:spPr>
+        <p:style>
+          <a:lnRef idx="2">
+            <a:schemeClr val="accent1">
+              <a:shade val="50000"/>
+            </a:schemeClr>
+          </a:lnRef>
+          <a:fillRef idx="1">
+            <a:schemeClr val="accent1"/>
+          </a:fillRef>
+          <a:effectRef idx="0">
+            <a:schemeClr val="accent1"/>
+          </a:effectRef>
+          <a:fontRef idx="minor">
+            <a:schemeClr val="lt1"/>
+          </a:fontRef>
+        </p:style>
+        <p:txBody>
+          <a:bodyPr rtlCol="0" anchor="ctr"/>
+          <a:lstStyle/>
+          <a:p>
+            <a:pPr algn="ctr"/>
+            <a:endParaRPr lang="en-US"/>
+          </a:p>
+        </p:txBody>
+      </p:sp>
+      <p:sp>
+        <p:nvSpPr>
+          <p:cNvPr id="14" name="Down Arrow 13"/>
+          <p:cNvSpPr/>
+          <p:nvPr/>
+        </p:nvSpPr>
+        <p:spPr>
+          <a:xfrm>
+            <a:off x="1330146" y="4103096"/>
+            <a:ext cx="228600" cy="533400"/>
+          </a:xfrm>
+          <a:prstGeom prst="downArrow">
+            <a:avLst/>
+          </a:prstGeom>
+        </p:spPr>
+        <p:style>
+          <a:lnRef idx="2">
+            <a:schemeClr val="accent1">
+              <a:shade val="50000"/>
+            </a:schemeClr>
+          </a:lnRef>
+          <a:fillRef idx="1">
+            <a:schemeClr val="accent1"/>
+          </a:fillRef>
+          <a:effectRef idx="0">
+            <a:schemeClr val="accent1"/>
+          </a:effectRef>
+          <a:fontRef idx="minor">
+            <a:schemeClr val="lt1"/>
+          </a:fontRef>
+        </p:style>
+        <p:txBody>
+          <a:bodyPr rtlCol="0" anchor="ctr"/>
+          <a:lstStyle/>
+          <a:p>
+            <a:pPr algn="ctr"/>
+            <a:endParaRPr lang="en-US"/>
+          </a:p>
+        </p:txBody>
+      </p:sp>
+      <p:sp>
+        <p:nvSpPr>
+          <p:cNvPr id="15" name="TextBox 14"/>
+          <p:cNvSpPr txBox="1"/>
+          <p:nvPr/>
+        </p:nvSpPr>
+        <p:spPr>
+          <a:xfrm>
+            <a:off x="897307" y="5963868"/>
+            <a:ext cx="7857859" cy="830997"/>
+          </a:xfrm>
+          <a:prstGeom prst="rect">
+            <a:avLst/>
+          </a:prstGeom>
+          <a:noFill/>
+        </p:spPr>
+        <p:txBody>
+          <a:bodyPr wrap="square" rtlCol="0">
+            <a:spAutoFit/>
+          </a:bodyPr>
+          <a:lstStyle/>
+          <a:p>
+            <a:r>
+              <a:rPr lang="en-US" sz="1600" i="1" dirty="0" smtClean="0">
+                <a:solidFill>
+                  <a:schemeClr val="accent6">
+                    <a:lumMod val="75000"/>
+                  </a:schemeClr>
+                </a:solidFill>
+              </a:rPr>
+              <a:t>Now we have a typical data frame, each row is an observation, and each column is a feature. Here we have 10 columns by designing after the padding and truncating stage. We have converted raw text into categorical integers. </a:t>
+            </a:r>
+            <a:endParaRPr lang="en-US" sz="1600" i="1" dirty="0">
+              <a:solidFill>
+                <a:schemeClr val="accent6">
+                  <a:lumMod val="75000"/>
+                </a:schemeClr>
+              </a:solidFill>
+            </a:endParaRPr>
+          </a:p>
+        </p:txBody>
+      </p:sp>
+      <p:sp>
+        <p:nvSpPr>
+          <p:cNvPr id="16" name="TextBox 15"/>
+          <p:cNvSpPr txBox="1"/>
+          <p:nvPr/>
+        </p:nvSpPr>
+        <p:spPr>
+          <a:xfrm>
+            <a:off x="6799371" y="3549278"/>
+            <a:ext cx="2266998" cy="2062103"/>
+          </a:xfrm>
+          <a:prstGeom prst="rect">
+            <a:avLst/>
+          </a:prstGeom>
+          <a:noFill/>
+        </p:spPr>
+        <p:txBody>
+          <a:bodyPr wrap="square" rtlCol="0">
+            <a:spAutoFit/>
+          </a:bodyPr>
+          <a:lstStyle/>
+          <a:p>
+            <a:r>
+              <a:rPr lang="en-US" sz="1600" b="1" dirty="0" smtClean="0">
+                <a:solidFill>
+                  <a:srgbClr val="00B050"/>
+                </a:solidFill>
+              </a:rPr>
+              <a:t>Suppose we cap unique words to be 250, and each one of these unique word is replaced with an integer. “2” will be used for any other words, and “0” will be used for padding.</a:t>
+            </a:r>
+            <a:endParaRPr lang="en-US" sz="1600" b="1" dirty="0">
+              <a:solidFill>
+                <a:srgbClr val="00B050"/>
+              </a:solidFill>
+            </a:endParaRPr>
+          </a:p>
+        </p:txBody>
+      </p:sp>
+    </p:spTree>
+    <p:extLst>
+      <p:ext uri="{BB962C8B-B14F-4D97-AF65-F5344CB8AC3E}">
+        <p14:creationId xmlns:p14="http://schemas.microsoft.com/office/powerpoint/2010/main" val="119068319"/>
+      </p:ext>
+    </p:extLst>
+  </p:cSld>
+  <p:clrMapOvr>
+    <a:masterClrMapping/>
+  </p:clrMapOvr>
+  <p:transition spd="slow">
+    <p:wipe dir="d"/>
+  </p:transition>
+  <p:timing>
+    <p:tnLst>
+      <p:par>
+        <p:cTn id="1" dur="indefinite" restart="never" nodeType="tmRoot"/>
+      </p:par>
+    </p:tnLst>
+  </p:timing>
+</p:sld>
+</file>
+
+<file path=ppt/slides/slide21.xml><?xml version="1.0" encoding="utf-8"?>
 <p:sld xmlns:a="http://schemas.openxmlformats.org/drawingml/2006/main" xmlns:r="http://schemas.openxmlformats.org/officeDocument/2006/relationships" xmlns:p="http://schemas.openxmlformats.org/presentationml/2006/main">
   <p:cSld>
     <p:spTree>
@@ -8868,7 +10805,7 @@
 </p:sld>
 </file>
 
-<file path=ppt/slides/slide18.xml><?xml version="1.0" encoding="utf-8"?>
+<file path=ppt/slides/slide22.xml><?xml version="1.0" encoding="utf-8"?>
 <p:sld xmlns:a="http://schemas.openxmlformats.org/drawingml/2006/main" xmlns:r="http://schemas.openxmlformats.org/officeDocument/2006/relationships" xmlns:p="http://schemas.openxmlformats.org/presentationml/2006/main">
   <p:cSld>
     <p:spTree>
@@ -9906,7 +11843,7 @@
 </p:sld>
 </file>
 
-<file path=ppt/slides/slide19.xml><?xml version="1.0" encoding="utf-8"?>
+<file path=ppt/slides/slide23.xml><?xml version="1.0" encoding="utf-8"?>
 <p:sld xmlns:a="http://schemas.openxmlformats.org/drawingml/2006/main" xmlns:r="http://schemas.openxmlformats.org/officeDocument/2006/relationships" xmlns:p="http://schemas.openxmlformats.org/presentationml/2006/main">
   <p:cSld>
     <p:spTree>
@@ -10184,734 +12121,7 @@
 </p:sld>
 </file>
 
-<file path=ppt/slides/slide2.xml><?xml version="1.0" encoding="utf-8"?>
-<p:sld xmlns:a="http://schemas.openxmlformats.org/drawingml/2006/main" xmlns:r="http://schemas.openxmlformats.org/officeDocument/2006/relationships" xmlns:p="http://schemas.openxmlformats.org/presentationml/2006/main">
-  <p:cSld>
-    <p:spTree>
-      <p:nvGrpSpPr>
-        <p:cNvPr id="1" name=""/>
-        <p:cNvGrpSpPr/>
-        <p:nvPr/>
-      </p:nvGrpSpPr>
-      <p:grpSpPr>
-        <a:xfrm>
-          <a:off x="0" y="0"/>
-          <a:ext cx="0" cy="0"/>
-          <a:chOff x="0" y="0"/>
-          <a:chExt cx="0" cy="0"/>
-        </a:xfrm>
-      </p:grpSpPr>
-      <p:sp>
-        <p:nvSpPr>
-          <p:cNvPr id="2" name="Title 1"/>
-          <p:cNvSpPr>
-            <a:spLocks noGrp="1"/>
-          </p:cNvSpPr>
-          <p:nvPr>
-            <p:ph type="title"/>
-          </p:nvPr>
-        </p:nvSpPr>
-        <p:spPr>
-          <a:xfrm>
-            <a:off x="670515" y="86755"/>
-            <a:ext cx="8077200" cy="480806"/>
-          </a:xfrm>
-        </p:spPr>
-        <p:txBody>
-          <a:bodyPr>
-            <a:normAutofit fontScale="90000"/>
-          </a:bodyPr>
-          <a:lstStyle/>
-          <a:p>
-            <a:r>
-              <a:rPr lang="en-US" sz="3600" dirty="0">
-                <a:solidFill>
-                  <a:schemeClr val="accent2"/>
-                </a:solidFill>
-                <a:latin typeface="Arial" panose="020B0604020202020204" pitchFamily="34" charset="0"/>
-                <a:cs typeface="Arial" panose="020B0604020202020204" pitchFamily="34" charset="0"/>
-              </a:rPr>
-              <a:t>Links to Notebooks, Books and URLs</a:t>
-            </a:r>
-          </a:p>
-        </p:txBody>
-      </p:sp>
-      <p:sp>
-        <p:nvSpPr>
-          <p:cNvPr id="31" name="TextBox 30">
-            <a:extLst>
-              <a:ext uri="{FF2B5EF4-FFF2-40B4-BE49-F238E27FC236}">
-                <a16:creationId xmlns:a16="http://schemas.microsoft.com/office/drawing/2014/main" id="{1134EB7A-4CA3-4E27-A254-01A6C630DAB4}"/>
-              </a:ext>
-            </a:extLst>
-          </p:cNvPr>
-          <p:cNvSpPr txBox="1"/>
-          <p:nvPr/>
-        </p:nvSpPr>
-        <p:spPr>
-          <a:xfrm>
-            <a:off x="670515" y="990600"/>
-            <a:ext cx="8169974" cy="3754874"/>
-          </a:xfrm>
-          <a:prstGeom prst="rect">
-            <a:avLst/>
-          </a:prstGeom>
-          <a:noFill/>
-        </p:spPr>
-        <p:txBody>
-          <a:bodyPr wrap="square" rtlCol="0">
-            <a:spAutoFit/>
-          </a:bodyPr>
-          <a:lstStyle/>
-          <a:p>
-            <a:pPr marL="342900" indent="-342900">
-              <a:buFont typeface="+mj-lt"/>
-              <a:buAutoNum type="arabicPeriod"/>
-            </a:pPr>
-            <a:r>
-              <a:rPr lang="en-US" sz="1400" dirty="0">
-                <a:solidFill>
-                  <a:srgbClr val="1F497D"/>
-                </a:solidFill>
-                <a:latin typeface="Arial" panose="020B0604020202020204" pitchFamily="34" charset="0"/>
-                <a:cs typeface="Arial" panose="020B0604020202020204" pitchFamily="34" charset="0"/>
-              </a:rPr>
-              <a:t>Course homepage: </a:t>
-            </a:r>
-            <a:r>
-              <a:rPr lang="en-US" sz="1400" dirty="0">
-                <a:solidFill>
-                  <a:srgbClr val="1F497D"/>
-                </a:solidFill>
-                <a:latin typeface="Arial" panose="020B0604020202020204" pitchFamily="34" charset="0"/>
-                <a:cs typeface="Arial" panose="020B0604020202020204" pitchFamily="34" charset="0"/>
-                <a:hlinkClick r:id="rId3"/>
-              </a:rPr>
-              <a:t>https://course2019.netlify.com/</a:t>
-            </a:r>
-            <a:r>
-              <a:rPr lang="en-US" sz="1400" dirty="0">
-                <a:solidFill>
-                  <a:srgbClr val="1F497D"/>
-                </a:solidFill>
-                <a:latin typeface="Arial" panose="020B0604020202020204" pitchFamily="34" charset="0"/>
-                <a:cs typeface="Arial" panose="020B0604020202020204" pitchFamily="34" charset="0"/>
-              </a:rPr>
-              <a:t> </a:t>
-            </a:r>
-          </a:p>
-          <a:p>
-            <a:pPr marL="342900" indent="-342900">
-              <a:buFont typeface="+mj-lt"/>
-              <a:buAutoNum type="arabicPeriod"/>
-            </a:pPr>
-            <a:r>
-              <a:rPr lang="en-US" sz="1400" dirty="0" err="1">
-                <a:solidFill>
-                  <a:srgbClr val="1F497D"/>
-                </a:solidFill>
-                <a:latin typeface="Arial" panose="020B0604020202020204" pitchFamily="34" charset="0"/>
-                <a:cs typeface="Arial" panose="020B0604020202020204" pitchFamily="34" charset="0"/>
-              </a:rPr>
-              <a:t>Databrick</a:t>
-            </a:r>
-            <a:r>
-              <a:rPr lang="en-US" sz="1400" dirty="0">
-                <a:solidFill>
-                  <a:srgbClr val="1F497D"/>
-                </a:solidFill>
-                <a:latin typeface="Arial" panose="020B0604020202020204" pitchFamily="34" charset="0"/>
-                <a:cs typeface="Arial" panose="020B0604020202020204" pitchFamily="34" charset="0"/>
-              </a:rPr>
-              <a:t> free </a:t>
-            </a:r>
-            <a:r>
-              <a:rPr lang="en-US" sz="1400" u="sng" dirty="0">
-                <a:solidFill>
-                  <a:schemeClr val="accent2"/>
-                </a:solidFill>
-                <a:latin typeface="Arial" panose="020B0604020202020204" pitchFamily="34" charset="0"/>
-                <a:cs typeface="Arial" panose="020B0604020202020204" pitchFamily="34" charset="0"/>
-              </a:rPr>
-              <a:t>community edition </a:t>
-            </a:r>
-            <a:r>
-              <a:rPr lang="en-US" sz="1400" dirty="0">
-                <a:solidFill>
-                  <a:srgbClr val="1F497D"/>
-                </a:solidFill>
-                <a:latin typeface="Arial" panose="020B0604020202020204" pitchFamily="34" charset="0"/>
-                <a:cs typeface="Arial" panose="020B0604020202020204" pitchFamily="34" charset="0"/>
-              </a:rPr>
-              <a:t>account open: </a:t>
-            </a:r>
-            <a:r>
-              <a:rPr lang="en-US" sz="1400" dirty="0">
-                <a:solidFill>
-                  <a:srgbClr val="1F497D"/>
-                </a:solidFill>
-                <a:latin typeface="Arial" panose="020B0604020202020204" pitchFamily="34" charset="0"/>
-                <a:cs typeface="Arial" panose="020B0604020202020204" pitchFamily="34" charset="0"/>
-                <a:hlinkClick r:id="rId4"/>
-              </a:rPr>
-              <a:t>link</a:t>
-            </a:r>
-            <a:endParaRPr lang="en-US" sz="1400" dirty="0">
-              <a:solidFill>
-                <a:srgbClr val="1F497D"/>
-              </a:solidFill>
-              <a:latin typeface="Arial" panose="020B0604020202020204" pitchFamily="34" charset="0"/>
-              <a:cs typeface="Arial" panose="020B0604020202020204" pitchFamily="34" charset="0"/>
-            </a:endParaRPr>
-          </a:p>
-          <a:p>
-            <a:pPr marL="342900" indent="-342900">
-              <a:buFont typeface="+mj-lt"/>
-              <a:buAutoNum type="arabicPeriod"/>
-            </a:pPr>
-            <a:r>
-              <a:rPr lang="en-US" sz="1400" dirty="0">
-                <a:solidFill>
-                  <a:srgbClr val="1F497D"/>
-                </a:solidFill>
-                <a:latin typeface="Arial" panose="020B0604020202020204" pitchFamily="34" charset="0"/>
-                <a:cs typeface="Arial" panose="020B0604020202020204" pitchFamily="34" charset="0"/>
-              </a:rPr>
-              <a:t>Perceptron notebook: </a:t>
-            </a:r>
-            <a:r>
-              <a:rPr lang="en-US" sz="1400" dirty="0">
-                <a:solidFill>
-                  <a:srgbClr val="1F497D"/>
-                </a:solidFill>
-                <a:latin typeface="Arial" panose="020B0604020202020204" pitchFamily="34" charset="0"/>
-                <a:cs typeface="Arial" panose="020B0604020202020204" pitchFamily="34" charset="0"/>
-                <a:hlinkClick r:id="rId5"/>
-              </a:rPr>
-              <a:t>link</a:t>
-            </a:r>
-            <a:endParaRPr lang="en-US" sz="1400" dirty="0">
-              <a:solidFill>
-                <a:srgbClr val="1F497D"/>
-              </a:solidFill>
-              <a:latin typeface="Arial" panose="020B0604020202020204" pitchFamily="34" charset="0"/>
-              <a:cs typeface="Arial" panose="020B0604020202020204" pitchFamily="34" charset="0"/>
-            </a:endParaRPr>
-          </a:p>
-          <a:p>
-            <a:pPr marL="342900" indent="-342900">
-              <a:buFont typeface="+mj-lt"/>
-              <a:buAutoNum type="arabicPeriod"/>
-            </a:pPr>
-            <a:r>
-              <a:rPr lang="en-US" sz="1400" dirty="0" err="1">
-                <a:solidFill>
-                  <a:srgbClr val="1F497D"/>
-                </a:solidFill>
-                <a:latin typeface="Arial" panose="020B0604020202020204" pitchFamily="34" charset="0"/>
-                <a:cs typeface="Arial" panose="020B0604020202020204" pitchFamily="34" charset="0"/>
-              </a:rPr>
-              <a:t>Adaline</a:t>
-            </a:r>
-            <a:r>
-              <a:rPr lang="en-US" sz="1400" dirty="0">
-                <a:solidFill>
-                  <a:srgbClr val="1F497D"/>
-                </a:solidFill>
-                <a:latin typeface="Arial" panose="020B0604020202020204" pitchFamily="34" charset="0"/>
-                <a:cs typeface="Arial" panose="020B0604020202020204" pitchFamily="34" charset="0"/>
-              </a:rPr>
-              <a:t> notebook: </a:t>
-            </a:r>
-            <a:r>
-              <a:rPr lang="en-US" sz="1400" dirty="0">
-                <a:solidFill>
-                  <a:srgbClr val="1F497D"/>
-                </a:solidFill>
-                <a:latin typeface="Arial" panose="020B0604020202020204" pitchFamily="34" charset="0"/>
-                <a:cs typeface="Arial" panose="020B0604020202020204" pitchFamily="34" charset="0"/>
-                <a:hlinkClick r:id="rId6"/>
-              </a:rPr>
-              <a:t>link</a:t>
-            </a:r>
-            <a:endParaRPr lang="en-US" sz="1400" dirty="0">
-              <a:solidFill>
-                <a:srgbClr val="1F497D"/>
-              </a:solidFill>
-              <a:latin typeface="Arial" panose="020B0604020202020204" pitchFamily="34" charset="0"/>
-              <a:cs typeface="Arial" panose="020B0604020202020204" pitchFamily="34" charset="0"/>
-            </a:endParaRPr>
-          </a:p>
-          <a:p>
-            <a:pPr marL="342900" indent="-342900">
-              <a:buFont typeface="+mj-lt"/>
-              <a:buAutoNum type="arabicPeriod"/>
-            </a:pPr>
-            <a:r>
-              <a:rPr lang="en-US" sz="1400" dirty="0">
-                <a:solidFill>
-                  <a:srgbClr val="1F497D"/>
-                </a:solidFill>
-                <a:latin typeface="Arial" panose="020B0604020202020204" pitchFamily="34" charset="0"/>
-                <a:cs typeface="Arial" panose="020B0604020202020204" pitchFamily="34" charset="0"/>
-              </a:rPr>
-              <a:t>Feedforward neural network notebook: </a:t>
-            </a:r>
-            <a:r>
-              <a:rPr lang="en-US" sz="1400" dirty="0">
-                <a:solidFill>
-                  <a:srgbClr val="1F497D"/>
-                </a:solidFill>
-                <a:latin typeface="Arial" panose="020B0604020202020204" pitchFamily="34" charset="0"/>
-                <a:cs typeface="Arial" panose="020B0604020202020204" pitchFamily="34" charset="0"/>
-                <a:hlinkClick r:id="rId7"/>
-              </a:rPr>
-              <a:t>link</a:t>
-            </a:r>
-            <a:endParaRPr lang="en-US" sz="1400" dirty="0">
-              <a:solidFill>
-                <a:srgbClr val="1F497D"/>
-              </a:solidFill>
-              <a:latin typeface="Arial" panose="020B0604020202020204" pitchFamily="34" charset="0"/>
-              <a:cs typeface="Arial" panose="020B0604020202020204" pitchFamily="34" charset="0"/>
-            </a:endParaRPr>
-          </a:p>
-          <a:p>
-            <a:pPr marL="342900" indent="-342900">
-              <a:buFont typeface="+mj-lt"/>
-              <a:buAutoNum type="arabicPeriod"/>
-            </a:pPr>
-            <a:r>
-              <a:rPr lang="en-US" sz="1400" dirty="0">
-                <a:solidFill>
-                  <a:srgbClr val="1F497D"/>
-                </a:solidFill>
-                <a:latin typeface="Arial" panose="020B0604020202020204" pitchFamily="34" charset="0"/>
-                <a:cs typeface="Arial" panose="020B0604020202020204" pitchFamily="34" charset="0"/>
-              </a:rPr>
-              <a:t>Convolutional neural network notebook: </a:t>
-            </a:r>
-            <a:r>
-              <a:rPr lang="en-US" sz="1400" dirty="0">
-                <a:solidFill>
-                  <a:srgbClr val="1F497D"/>
-                </a:solidFill>
-                <a:latin typeface="Arial" panose="020B0604020202020204" pitchFamily="34" charset="0"/>
-                <a:cs typeface="Arial" panose="020B0604020202020204" pitchFamily="34" charset="0"/>
-                <a:hlinkClick r:id="rId8"/>
-              </a:rPr>
-              <a:t>link</a:t>
-            </a:r>
-            <a:r>
-              <a:rPr lang="en-US" sz="1400" dirty="0">
-                <a:solidFill>
-                  <a:srgbClr val="1F497D"/>
-                </a:solidFill>
-                <a:latin typeface="Arial" panose="020B0604020202020204" pitchFamily="34" charset="0"/>
-                <a:cs typeface="Arial" panose="020B0604020202020204" pitchFamily="34" charset="0"/>
-              </a:rPr>
-              <a:t> </a:t>
-            </a:r>
-          </a:p>
-          <a:p>
-            <a:pPr marL="342900" indent="-342900">
-              <a:buFont typeface="+mj-lt"/>
-              <a:buAutoNum type="arabicPeriod"/>
-            </a:pPr>
-            <a:r>
-              <a:rPr lang="en-US" sz="1400" dirty="0">
-                <a:solidFill>
-                  <a:srgbClr val="1F497D"/>
-                </a:solidFill>
-                <a:latin typeface="Arial" panose="020B0604020202020204" pitchFamily="34" charset="0"/>
-                <a:cs typeface="Arial" panose="020B0604020202020204" pitchFamily="34" charset="0"/>
-              </a:rPr>
-              <a:t>Recurrent neural network notebook: </a:t>
-            </a:r>
-            <a:r>
-              <a:rPr lang="en-US" sz="1400" dirty="0">
-                <a:solidFill>
-                  <a:srgbClr val="1F497D"/>
-                </a:solidFill>
-                <a:latin typeface="Arial" panose="020B0604020202020204" pitchFamily="34" charset="0"/>
-                <a:cs typeface="Arial" panose="020B0604020202020204" pitchFamily="34" charset="0"/>
-                <a:hlinkClick r:id="rId9"/>
-              </a:rPr>
-              <a:t>link</a:t>
-            </a:r>
-            <a:endParaRPr lang="en-US" sz="1400" dirty="0">
-              <a:solidFill>
-                <a:srgbClr val="1F497D"/>
-              </a:solidFill>
-              <a:latin typeface="Arial" panose="020B0604020202020204" pitchFamily="34" charset="0"/>
-              <a:cs typeface="Arial" panose="020B0604020202020204" pitchFamily="34" charset="0"/>
-            </a:endParaRPr>
-          </a:p>
-          <a:p>
-            <a:pPr marL="342900" indent="-342900">
-              <a:buFont typeface="+mj-lt"/>
-              <a:buAutoNum type="arabicPeriod"/>
-            </a:pPr>
-            <a:r>
-              <a:rPr lang="en-US" sz="1400" dirty="0">
-                <a:solidFill>
-                  <a:srgbClr val="1F497D"/>
-                </a:solidFill>
-                <a:latin typeface="Arial" panose="020B0604020202020204" pitchFamily="34" charset="0"/>
-                <a:cs typeface="Arial" panose="020B0604020202020204" pitchFamily="34" charset="0"/>
-              </a:rPr>
-              <a:t>Big Data Platform notebook: </a:t>
-            </a:r>
-            <a:r>
-              <a:rPr lang="en-US" sz="1400" dirty="0">
-                <a:solidFill>
-                  <a:srgbClr val="1F497D"/>
-                </a:solidFill>
-                <a:latin typeface="Arial" panose="020B0604020202020204" pitchFamily="34" charset="0"/>
-                <a:cs typeface="Arial" panose="020B0604020202020204" pitchFamily="34" charset="0"/>
-                <a:hlinkClick r:id="rId10"/>
-              </a:rPr>
-              <a:t>link</a:t>
-            </a:r>
-            <a:endParaRPr lang="en-US" sz="1400" dirty="0">
-              <a:solidFill>
-                <a:srgbClr val="1F497D"/>
-              </a:solidFill>
-              <a:latin typeface="Arial" panose="020B0604020202020204" pitchFamily="34" charset="0"/>
-              <a:cs typeface="Arial" panose="020B0604020202020204" pitchFamily="34" charset="0"/>
-            </a:endParaRPr>
-          </a:p>
-          <a:p>
-            <a:pPr marL="342900" indent="-342900">
-              <a:buFont typeface="+mj-lt"/>
-              <a:buAutoNum type="arabicPeriod"/>
-            </a:pPr>
-            <a:r>
-              <a:rPr lang="en-US" sz="1400" dirty="0">
-                <a:solidFill>
-                  <a:srgbClr val="1F497D"/>
-                </a:solidFill>
-                <a:latin typeface="Arial" panose="020B0604020202020204" pitchFamily="34" charset="0"/>
-                <a:cs typeface="Arial" panose="020B0604020202020204" pitchFamily="34" charset="0"/>
-              </a:rPr>
-              <a:t>Data preprocessing notebook: </a:t>
-            </a:r>
-            <a:r>
-              <a:rPr lang="en-US" sz="1400" dirty="0">
-                <a:solidFill>
-                  <a:srgbClr val="1F497D"/>
-                </a:solidFill>
-                <a:latin typeface="Arial" panose="020B0604020202020204" pitchFamily="34" charset="0"/>
-                <a:cs typeface="Arial" panose="020B0604020202020204" pitchFamily="34" charset="0"/>
-                <a:hlinkClick r:id="rId11"/>
-              </a:rPr>
-              <a:t>link</a:t>
-            </a:r>
-            <a:r>
-              <a:rPr lang="en-US" sz="1400" dirty="0">
-                <a:solidFill>
-                  <a:srgbClr val="1F497D"/>
-                </a:solidFill>
-                <a:latin typeface="Arial" panose="020B0604020202020204" pitchFamily="34" charset="0"/>
-                <a:cs typeface="Arial" panose="020B0604020202020204" pitchFamily="34" charset="0"/>
-              </a:rPr>
-              <a:t> </a:t>
-            </a:r>
-          </a:p>
-          <a:p>
-            <a:pPr marL="342900" indent="-342900">
-              <a:buFont typeface="+mj-lt"/>
-              <a:buAutoNum type="arabicPeriod"/>
-            </a:pPr>
-            <a:r>
-              <a:rPr lang="en-US" sz="1400" dirty="0">
-                <a:solidFill>
-                  <a:srgbClr val="1F497D"/>
-                </a:solidFill>
-                <a:latin typeface="Arial" panose="020B0604020202020204" pitchFamily="34" charset="0"/>
-                <a:cs typeface="Arial" panose="020B0604020202020204" pitchFamily="34" charset="0"/>
-              </a:rPr>
-              <a:t>Data wrangling notebook: </a:t>
-            </a:r>
-            <a:r>
-              <a:rPr lang="en-US" sz="1400" dirty="0">
-                <a:solidFill>
-                  <a:srgbClr val="1F497D"/>
-                </a:solidFill>
-                <a:latin typeface="Arial" panose="020B0604020202020204" pitchFamily="34" charset="0"/>
-                <a:cs typeface="Arial" panose="020B0604020202020204" pitchFamily="34" charset="0"/>
-                <a:hlinkClick r:id="rId12"/>
-              </a:rPr>
-              <a:t>link</a:t>
-            </a:r>
-            <a:r>
-              <a:rPr lang="en-US" sz="1400" dirty="0">
-                <a:solidFill>
-                  <a:srgbClr val="1F497D"/>
-                </a:solidFill>
-                <a:latin typeface="Arial" panose="020B0604020202020204" pitchFamily="34" charset="0"/>
-                <a:cs typeface="Arial" panose="020B0604020202020204" pitchFamily="34" charset="0"/>
-              </a:rPr>
-              <a:t> </a:t>
-            </a:r>
-          </a:p>
-          <a:p>
-            <a:pPr marL="342900" indent="-342900">
-              <a:buFont typeface="+mj-lt"/>
-              <a:buAutoNum type="arabicPeriod"/>
-            </a:pPr>
-            <a:r>
-              <a:rPr lang="en-US" sz="1400" dirty="0">
-                <a:solidFill>
-                  <a:srgbClr val="1F497D"/>
-                </a:solidFill>
-                <a:latin typeface="Arial" panose="020B0604020202020204" pitchFamily="34" charset="0"/>
-                <a:cs typeface="Arial" panose="020B0604020202020204" pitchFamily="34" charset="0"/>
-              </a:rPr>
-              <a:t>Industry recommendations for academic data science programs: </a:t>
-            </a:r>
-            <a:r>
-              <a:rPr lang="en-US" sz="1400" dirty="0">
-                <a:solidFill>
-                  <a:srgbClr val="1F497D"/>
-                </a:solidFill>
-                <a:latin typeface="Arial" panose="020B0604020202020204" pitchFamily="34" charset="0"/>
-                <a:cs typeface="Arial" panose="020B0604020202020204" pitchFamily="34" charset="0"/>
-                <a:hlinkClick r:id="rId13"/>
-              </a:rPr>
-              <a:t>link</a:t>
-            </a:r>
-            <a:endParaRPr lang="en-US" sz="1400" dirty="0">
-              <a:solidFill>
-                <a:srgbClr val="1F497D"/>
-              </a:solidFill>
-              <a:latin typeface="Arial" panose="020B0604020202020204" pitchFamily="34" charset="0"/>
-              <a:cs typeface="Arial" panose="020B0604020202020204" pitchFamily="34" charset="0"/>
-            </a:endParaRPr>
-          </a:p>
-          <a:p>
-            <a:pPr marL="342900" indent="-342900">
-              <a:buFont typeface="+mj-lt"/>
-              <a:buAutoNum type="arabicPeriod"/>
-            </a:pPr>
-            <a:r>
-              <a:rPr lang="en-US" sz="1400" dirty="0">
-                <a:solidFill>
-                  <a:schemeClr val="tx2"/>
-                </a:solidFill>
-                <a:latin typeface="Arial" panose="020B0604020202020204" pitchFamily="34" charset="0"/>
-                <a:cs typeface="Arial" panose="020B0604020202020204" pitchFamily="34" charset="0"/>
-              </a:rPr>
-              <a:t>Deep Learning Using R, </a:t>
-            </a:r>
-            <a:r>
-              <a:rPr lang="fr-FR" sz="1400" dirty="0">
-                <a:solidFill>
-                  <a:schemeClr val="tx2"/>
-                </a:solidFill>
-                <a:latin typeface="Arial" panose="020B0604020202020204" pitchFamily="34" charset="0"/>
-                <a:cs typeface="Arial" panose="020B0604020202020204" pitchFamily="34" charset="0"/>
-              </a:rPr>
-              <a:t>François Chollet </a:t>
-            </a:r>
-            <a:r>
-              <a:rPr lang="fr-FR" sz="1400" dirty="0" err="1">
-                <a:solidFill>
-                  <a:schemeClr val="tx2"/>
-                </a:solidFill>
-                <a:latin typeface="Arial" panose="020B0604020202020204" pitchFamily="34" charset="0"/>
-                <a:cs typeface="Arial" panose="020B0604020202020204" pitchFamily="34" charset="0"/>
-              </a:rPr>
-              <a:t>with</a:t>
-            </a:r>
-            <a:r>
-              <a:rPr lang="fr-FR" sz="1400" dirty="0">
-                <a:solidFill>
-                  <a:schemeClr val="tx2"/>
-                </a:solidFill>
-                <a:latin typeface="Arial" panose="020B0604020202020204" pitchFamily="34" charset="0"/>
-                <a:cs typeface="Arial" panose="020B0604020202020204" pitchFamily="34" charset="0"/>
-              </a:rPr>
-              <a:t> J. J. Allaire, ISBN 9781617295546 (2018)</a:t>
-            </a:r>
-          </a:p>
-          <a:p>
-            <a:pPr marL="342900" indent="-342900">
-              <a:buFont typeface="+mj-lt"/>
-              <a:buAutoNum type="arabicPeriod"/>
-            </a:pPr>
-            <a:r>
-              <a:rPr lang="fr-FR" sz="1400" dirty="0">
-                <a:solidFill>
-                  <a:schemeClr val="tx2"/>
-                </a:solidFill>
-                <a:latin typeface="Arial" panose="020B0604020202020204" pitchFamily="34" charset="0"/>
-                <a:cs typeface="Arial" panose="020B0604020202020204" pitchFamily="34" charset="0"/>
-              </a:rPr>
-              <a:t>Python Machine Learning by </a:t>
-            </a:r>
-            <a:r>
-              <a:rPr lang="fr-FR" sz="1400" dirty="0" err="1">
-                <a:solidFill>
-                  <a:schemeClr val="tx2"/>
-                </a:solidFill>
-                <a:latin typeface="Arial" panose="020B0604020202020204" pitchFamily="34" charset="0"/>
-                <a:cs typeface="Arial" panose="020B0604020202020204" pitchFamily="34" charset="0"/>
-              </a:rPr>
-              <a:t>Sebastian</a:t>
-            </a:r>
-            <a:r>
-              <a:rPr lang="fr-FR" sz="1400" dirty="0">
-                <a:solidFill>
-                  <a:schemeClr val="tx2"/>
-                </a:solidFill>
-                <a:latin typeface="Arial" panose="020B0604020202020204" pitchFamily="34" charset="0"/>
-                <a:cs typeface="Arial" panose="020B0604020202020204" pitchFamily="34" charset="0"/>
-              </a:rPr>
-              <a:t> </a:t>
-            </a:r>
-            <a:r>
-              <a:rPr lang="fr-FR" sz="1400" dirty="0" err="1">
-                <a:solidFill>
-                  <a:schemeClr val="tx2"/>
-                </a:solidFill>
-                <a:latin typeface="Arial" panose="020B0604020202020204" pitchFamily="34" charset="0"/>
-                <a:cs typeface="Arial" panose="020B0604020202020204" pitchFamily="34" charset="0"/>
-              </a:rPr>
-              <a:t>Raschka</a:t>
-            </a:r>
-            <a:r>
-              <a:rPr lang="fr-FR" sz="1400" dirty="0">
-                <a:solidFill>
-                  <a:schemeClr val="tx2"/>
-                </a:solidFill>
-                <a:latin typeface="Arial" panose="020B0604020202020204" pitchFamily="34" charset="0"/>
-                <a:cs typeface="Arial" panose="020B0604020202020204" pitchFamily="34" charset="0"/>
-              </a:rPr>
-              <a:t>, ISBN-13: 978-1787125933 (2018)</a:t>
-            </a:r>
-          </a:p>
-          <a:p>
-            <a:pPr marL="342900" indent="-342900">
-              <a:buFont typeface="+mj-lt"/>
-              <a:buAutoNum type="arabicPeriod"/>
-            </a:pPr>
-            <a:r>
-              <a:rPr lang="en-US" sz="1400" dirty="0">
-                <a:solidFill>
-                  <a:schemeClr val="tx2"/>
-                </a:solidFill>
-                <a:latin typeface="Arial" panose="020B0604020202020204" pitchFamily="34" charset="0"/>
-                <a:cs typeface="Arial" panose="020B0604020202020204" pitchFamily="34" charset="0"/>
-                <a:hlinkClick r:id="rId14"/>
-              </a:rPr>
-              <a:t>https://keras.rstudio.com/</a:t>
-            </a:r>
-            <a:r>
-              <a:rPr lang="en-US" sz="1400" dirty="0">
-                <a:solidFill>
-                  <a:schemeClr val="tx2"/>
-                </a:solidFill>
-                <a:latin typeface="Arial" panose="020B0604020202020204" pitchFamily="34" charset="0"/>
-                <a:cs typeface="Arial" panose="020B0604020202020204" pitchFamily="34" charset="0"/>
-              </a:rPr>
-              <a:t> </a:t>
-            </a:r>
-          </a:p>
-          <a:p>
-            <a:pPr marL="342900" indent="-342900">
-              <a:buFont typeface="+mj-lt"/>
-              <a:buAutoNum type="arabicPeriod"/>
-            </a:pPr>
-            <a:r>
-              <a:rPr lang="en-US" sz="1400" dirty="0">
-                <a:solidFill>
-                  <a:schemeClr val="tx2"/>
-                </a:solidFill>
-                <a:latin typeface="Arial" panose="020B0604020202020204" pitchFamily="34" charset="0"/>
-                <a:cs typeface="Arial" panose="020B0604020202020204" pitchFamily="34" charset="0"/>
-                <a:hlinkClick r:id="rId15"/>
-              </a:rPr>
-              <a:t>http://spark.rstudio.com/</a:t>
-            </a:r>
-            <a:endParaRPr lang="en-US" sz="1400" dirty="0">
-              <a:solidFill>
-                <a:schemeClr val="tx2"/>
-              </a:solidFill>
-              <a:latin typeface="Arial" panose="020B0604020202020204" pitchFamily="34" charset="0"/>
-              <a:cs typeface="Arial" panose="020B0604020202020204" pitchFamily="34" charset="0"/>
-            </a:endParaRPr>
-          </a:p>
-          <a:p>
-            <a:pPr marL="342900" indent="-342900">
-              <a:buFont typeface="+mj-lt"/>
-              <a:buAutoNum type="arabicPeriod"/>
-            </a:pPr>
-            <a:r>
-              <a:rPr lang="en-US" sz="1400" dirty="0">
-                <a:solidFill>
-                  <a:schemeClr val="tx2"/>
-                </a:solidFill>
-                <a:latin typeface="Arial" panose="020B0604020202020204" pitchFamily="34" charset="0"/>
-                <a:cs typeface="Arial" panose="020B0604020202020204" pitchFamily="34" charset="0"/>
-                <a:hlinkClick r:id="rId16"/>
-              </a:rPr>
-              <a:t>https://databricks.com/spark/about</a:t>
-            </a:r>
-            <a:endParaRPr lang="en-US" sz="1400" dirty="0">
-              <a:solidFill>
-                <a:schemeClr val="tx2"/>
-              </a:solidFill>
-              <a:latin typeface="Arial" panose="020B0604020202020204" pitchFamily="34" charset="0"/>
-              <a:cs typeface="Arial" panose="020B0604020202020204" pitchFamily="34" charset="0"/>
-            </a:endParaRPr>
-          </a:p>
-          <a:p>
-            <a:pPr marL="342900" indent="-342900">
-              <a:buFont typeface="+mj-lt"/>
-              <a:buAutoNum type="arabicPeriod"/>
-            </a:pPr>
-            <a:r>
-              <a:rPr lang="en-US" sz="1400" dirty="0">
-                <a:solidFill>
-                  <a:schemeClr val="tx2"/>
-                </a:solidFill>
-                <a:latin typeface="Arial" panose="020B0604020202020204" pitchFamily="34" charset="0"/>
-                <a:cs typeface="Arial" panose="020B0604020202020204" pitchFamily="34" charset="0"/>
-                <a:hlinkClick r:id="rId17"/>
-              </a:rPr>
-              <a:t>https://github.com/onnx/onnx</a:t>
-            </a:r>
-            <a:r>
-              <a:rPr lang="en-US" sz="1400" dirty="0">
-                <a:solidFill>
-                  <a:schemeClr val="tx2"/>
-                </a:solidFill>
-                <a:latin typeface="Arial" panose="020B0604020202020204" pitchFamily="34" charset="0"/>
-                <a:cs typeface="Arial" panose="020B0604020202020204" pitchFamily="34" charset="0"/>
-              </a:rPr>
-              <a:t> </a:t>
-            </a:r>
-          </a:p>
-        </p:txBody>
-      </p:sp>
-    </p:spTree>
-    <p:extLst>
-      <p:ext uri="{BB962C8B-B14F-4D97-AF65-F5344CB8AC3E}">
-        <p14:creationId xmlns:p14="http://schemas.microsoft.com/office/powerpoint/2010/main" val="1315689383"/>
-      </p:ext>
-    </p:extLst>
-  </p:cSld>
-  <p:clrMapOvr>
-    <a:masterClrMapping/>
-  </p:clrMapOvr>
-  <p:transition spd="slow">
-    <p:wipe dir="d"/>
-  </p:transition>
-</p:sld>
-</file>
-
-<file path=ppt/slides/slide20.xml><?xml version="1.0" encoding="utf-8"?>
+<file path=ppt/slides/slide24.xml><?xml version="1.0" encoding="utf-8"?>
 <p:sld xmlns:a="http://schemas.openxmlformats.org/drawingml/2006/main" xmlns:r="http://schemas.openxmlformats.org/officeDocument/2006/relationships" xmlns:p="http://schemas.openxmlformats.org/presentationml/2006/main">
   <p:cSld>
     <p:spTree>
@@ -11001,7 +12211,7 @@
 </p:sld>
 </file>
 
-<file path=ppt/slides/slide21.xml><?xml version="1.0" encoding="utf-8"?>
+<file path=ppt/slides/slide25.xml><?xml version="1.0" encoding="utf-8"?>
 <p:sld xmlns:a="http://schemas.openxmlformats.org/drawingml/2006/main" xmlns:r="http://schemas.openxmlformats.org/officeDocument/2006/relationships" xmlns:p="http://schemas.openxmlformats.org/presentationml/2006/main">
   <p:cSld>
     <p:spTree>
@@ -11277,7 +12487,7 @@
 </p:sld>
 </file>
 
-<file path=ppt/slides/slide22.xml><?xml version="1.0" encoding="utf-8"?>
+<file path=ppt/slides/slide26.xml><?xml version="1.0" encoding="utf-8"?>
 <p:sld xmlns:a="http://schemas.openxmlformats.org/drawingml/2006/main" xmlns:r="http://schemas.openxmlformats.org/officeDocument/2006/relationships" xmlns:p="http://schemas.openxmlformats.org/presentationml/2006/main">
   <p:cSld>
     <p:spTree>
@@ -11367,7 +12577,7 @@
 </p:sld>
 </file>
 
-<file path=ppt/slides/slide23.xml><?xml version="1.0" encoding="utf-8"?>
+<file path=ppt/slides/slide27.xml><?xml version="1.0" encoding="utf-8"?>
 <p:sld xmlns:a="http://schemas.openxmlformats.org/drawingml/2006/main" xmlns:r="http://schemas.openxmlformats.org/officeDocument/2006/relationships" xmlns:p="http://schemas.openxmlformats.org/presentationml/2006/main">
   <p:cSld>
     <p:spTree>
@@ -11447,7 +12657,7 @@
 </p:sld>
 </file>
 
-<file path=ppt/slides/slide24.xml><?xml version="1.0" encoding="utf-8"?>
+<file path=ppt/slides/slide28.xml><?xml version="1.0" encoding="utf-8"?>
 <p:sld xmlns:a="http://schemas.openxmlformats.org/drawingml/2006/main" xmlns:r="http://schemas.openxmlformats.org/officeDocument/2006/relationships" xmlns:p="http://schemas.openxmlformats.org/presentationml/2006/main">
   <p:cSld>
     <p:spTree>
@@ -11587,7 +12797,7 @@
 </p:sld>
 </file>
 
-<file path=ppt/slides/slide25.xml><?xml version="1.0" encoding="utf-8"?>
+<file path=ppt/slides/slide29.xml><?xml version="1.0" encoding="utf-8"?>
 <p:sld xmlns:a="http://schemas.openxmlformats.org/drawingml/2006/main" xmlns:r="http://schemas.openxmlformats.org/officeDocument/2006/relationships" xmlns:p="http://schemas.openxmlformats.org/presentationml/2006/main">
   <p:cSld>
     <p:spTree>
@@ -11698,199 +12908,6 @@
     <p:extLst>
       <p:ext uri="{BB962C8B-B14F-4D97-AF65-F5344CB8AC3E}">
         <p14:creationId xmlns:p14="http://schemas.microsoft.com/office/powerpoint/2010/main" val="3760879873"/>
-      </p:ext>
-    </p:extLst>
-  </p:cSld>
-  <p:clrMapOvr>
-    <a:masterClrMapping/>
-  </p:clrMapOvr>
-  <p:transition spd="slow">
-    <p:wipe dir="d"/>
-  </p:transition>
-</p:sld>
-</file>
-
-<file path=ppt/slides/slide26.xml><?xml version="1.0" encoding="utf-8"?>
-<p:sld xmlns:a="http://schemas.openxmlformats.org/drawingml/2006/main" xmlns:r="http://schemas.openxmlformats.org/officeDocument/2006/relationships" xmlns:p="http://schemas.openxmlformats.org/presentationml/2006/main">
-  <p:cSld>
-    <p:spTree>
-      <p:nvGrpSpPr>
-        <p:cNvPr id="1" name=""/>
-        <p:cNvGrpSpPr/>
-        <p:nvPr/>
-      </p:nvGrpSpPr>
-      <p:grpSpPr>
-        <a:xfrm>
-          <a:off x="0" y="0"/>
-          <a:ext cx="0" cy="0"/>
-          <a:chOff x="0" y="0"/>
-          <a:chExt cx="0" cy="0"/>
-        </a:xfrm>
-      </p:grpSpPr>
-      <p:sp>
-        <p:nvSpPr>
-          <p:cNvPr id="2" name="Title 1"/>
-          <p:cNvSpPr>
-            <a:spLocks noGrp="1"/>
-          </p:cNvSpPr>
-          <p:nvPr>
-            <p:ph type="title"/>
-          </p:nvPr>
-        </p:nvSpPr>
-        <p:spPr>
-          <a:xfrm>
-            <a:off x="3581400" y="3048000"/>
-            <a:ext cx="5334000" cy="1362075"/>
-          </a:xfrm>
-        </p:spPr>
-        <p:txBody>
-          <a:bodyPr>
-            <a:normAutofit/>
-          </a:bodyPr>
-          <a:lstStyle/>
-          <a:p>
-            <a:r>
-              <a:rPr lang="en-US" dirty="0">
-                <a:solidFill>
-                  <a:schemeClr val="tx2"/>
-                </a:solidFill>
-                <a:latin typeface="Arial" panose="020B0604020202020204" pitchFamily="34" charset="0"/>
-                <a:cs typeface="Arial" panose="020B0604020202020204" pitchFamily="34" charset="0"/>
-              </a:rPr>
-              <a:t>Recurrent Neural Network</a:t>
-            </a:r>
-          </a:p>
-        </p:txBody>
-      </p:sp>
-      <p:sp>
-        <p:nvSpPr>
-          <p:cNvPr id="3" name="Rectangle 2"/>
-          <p:cNvSpPr/>
-          <p:nvPr/>
-        </p:nvSpPr>
-        <p:spPr>
-          <a:xfrm>
-            <a:off x="3581400" y="4953000"/>
-            <a:ext cx="2351926" cy="369332"/>
-          </a:xfrm>
-          <a:prstGeom prst="rect">
-            <a:avLst/>
-          </a:prstGeom>
-        </p:spPr>
-        <p:txBody>
-          <a:bodyPr wrap="none">
-            <a:spAutoFit/>
-          </a:bodyPr>
-          <a:lstStyle/>
-          <a:p>
-            <a:r>
-              <a:rPr lang="en-US" b="1" dirty="0">
-                <a:solidFill>
-                  <a:srgbClr val="1F497D"/>
-                </a:solidFill>
-                <a:latin typeface="Arial" panose="020B0604020202020204" pitchFamily="34" charset="0"/>
-                <a:cs typeface="Arial" panose="020B0604020202020204" pitchFamily="34" charset="0"/>
-              </a:rPr>
-              <a:t>RNN Notebook: </a:t>
-            </a:r>
-            <a:r>
-              <a:rPr lang="en-US" b="1" dirty="0">
-                <a:solidFill>
-                  <a:srgbClr val="1F497D"/>
-                </a:solidFill>
-                <a:latin typeface="Arial" panose="020B0604020202020204" pitchFamily="34" charset="0"/>
-                <a:cs typeface="Arial" panose="020B0604020202020204" pitchFamily="34" charset="0"/>
-                <a:hlinkClick r:id="rId2"/>
-              </a:rPr>
-              <a:t>link</a:t>
-            </a:r>
-            <a:endParaRPr lang="en-US" b="1" dirty="0">
-              <a:solidFill>
-                <a:srgbClr val="1F497D"/>
-              </a:solidFill>
-              <a:latin typeface="Arial" panose="020B0604020202020204" pitchFamily="34" charset="0"/>
-              <a:cs typeface="Arial" panose="020B0604020202020204" pitchFamily="34" charset="0"/>
-            </a:endParaRPr>
-          </a:p>
-        </p:txBody>
-      </p:sp>
-    </p:spTree>
-    <p:extLst>
-      <p:ext uri="{BB962C8B-B14F-4D97-AF65-F5344CB8AC3E}">
-        <p14:creationId xmlns:p14="http://schemas.microsoft.com/office/powerpoint/2010/main" val="2469525426"/>
-      </p:ext>
-    </p:extLst>
-  </p:cSld>
-  <p:clrMapOvr>
-    <a:masterClrMapping/>
-  </p:clrMapOvr>
-  <p:transition spd="slow">
-    <p:wipe dir="d"/>
-  </p:transition>
-</p:sld>
-</file>
-
-<file path=ppt/slides/slide27.xml><?xml version="1.0" encoding="utf-8"?>
-<p:sld xmlns:a="http://schemas.openxmlformats.org/drawingml/2006/main" xmlns:r="http://schemas.openxmlformats.org/officeDocument/2006/relationships" xmlns:p="http://schemas.openxmlformats.org/presentationml/2006/main">
-  <p:cSld>
-    <p:spTree>
-      <p:nvGrpSpPr>
-        <p:cNvPr id="1" name=""/>
-        <p:cNvGrpSpPr/>
-        <p:nvPr/>
-      </p:nvGrpSpPr>
-      <p:grpSpPr>
-        <a:xfrm>
-          <a:off x="0" y="0"/>
-          <a:ext cx="0" cy="0"/>
-          <a:chOff x="0" y="0"/>
-          <a:chExt cx="0" cy="0"/>
-        </a:xfrm>
-      </p:grpSpPr>
-      <p:sp>
-        <p:nvSpPr>
-          <p:cNvPr id="4" name="Title 3"/>
-          <p:cNvSpPr txBox="1">
-            <a:spLocks noGrp="1"/>
-          </p:cNvSpPr>
-          <p:nvPr>
-            <p:ph type="title"/>
-          </p:nvPr>
-        </p:nvSpPr>
-        <p:spPr>
-          <a:xfrm>
-            <a:off x="2514600" y="3276600"/>
-            <a:ext cx="5031506" cy="1200329"/>
-          </a:xfrm>
-          <a:prstGeom prst="rect">
-            <a:avLst/>
-          </a:prstGeom>
-          <a:noFill/>
-        </p:spPr>
-        <p:txBody>
-          <a:bodyPr wrap="none" rtlCol="0">
-            <a:spAutoFit/>
-          </a:bodyPr>
-          <a:lstStyle/>
-          <a:p>
-            <a:pPr algn="ctr"/>
-            <a:r>
-              <a:rPr lang="en-US" sz="7200" i="1" dirty="0">
-                <a:solidFill>
-                  <a:schemeClr val="accent2"/>
-                </a:solidFill>
-                <a:latin typeface="Arial" panose="020B0604020202020204" pitchFamily="34" charset="0"/>
-                <a:cs typeface="Arial" panose="020B0604020202020204" pitchFamily="34" charset="0"/>
-              </a:rPr>
-              <a:t>Thank you!</a:t>
-            </a:r>
-          </a:p>
-        </p:txBody>
-      </p:sp>
-    </p:spTree>
-    <p:extLst>
-      <p:ext uri="{BB962C8B-B14F-4D97-AF65-F5344CB8AC3E}">
-        <p14:creationId xmlns:p14="http://schemas.microsoft.com/office/powerpoint/2010/main" val="1498156455"/>
       </p:ext>
     </p:extLst>
   </p:cSld>
@@ -12007,6 +13024,199 @@
   </p:clrMapOvr>
   <p:transition spd="slow">
     <p:fade/>
+  </p:transition>
+</p:sld>
+</file>
+
+<file path=ppt/slides/slide30.xml><?xml version="1.0" encoding="utf-8"?>
+<p:sld xmlns:a="http://schemas.openxmlformats.org/drawingml/2006/main" xmlns:r="http://schemas.openxmlformats.org/officeDocument/2006/relationships" xmlns:p="http://schemas.openxmlformats.org/presentationml/2006/main">
+  <p:cSld>
+    <p:spTree>
+      <p:nvGrpSpPr>
+        <p:cNvPr id="1" name=""/>
+        <p:cNvGrpSpPr/>
+        <p:nvPr/>
+      </p:nvGrpSpPr>
+      <p:grpSpPr>
+        <a:xfrm>
+          <a:off x="0" y="0"/>
+          <a:ext cx="0" cy="0"/>
+          <a:chOff x="0" y="0"/>
+          <a:chExt cx="0" cy="0"/>
+        </a:xfrm>
+      </p:grpSpPr>
+      <p:sp>
+        <p:nvSpPr>
+          <p:cNvPr id="2" name="Title 1"/>
+          <p:cNvSpPr>
+            <a:spLocks noGrp="1"/>
+          </p:cNvSpPr>
+          <p:nvPr>
+            <p:ph type="title"/>
+          </p:nvPr>
+        </p:nvSpPr>
+        <p:spPr>
+          <a:xfrm>
+            <a:off x="3581400" y="3048000"/>
+            <a:ext cx="5334000" cy="1362075"/>
+          </a:xfrm>
+        </p:spPr>
+        <p:txBody>
+          <a:bodyPr>
+            <a:normAutofit/>
+          </a:bodyPr>
+          <a:lstStyle/>
+          <a:p>
+            <a:r>
+              <a:rPr lang="en-US" dirty="0">
+                <a:solidFill>
+                  <a:schemeClr val="tx2"/>
+                </a:solidFill>
+                <a:latin typeface="Arial" panose="020B0604020202020204" pitchFamily="34" charset="0"/>
+                <a:cs typeface="Arial" panose="020B0604020202020204" pitchFamily="34" charset="0"/>
+              </a:rPr>
+              <a:t>Recurrent Neural Network</a:t>
+            </a:r>
+          </a:p>
+        </p:txBody>
+      </p:sp>
+      <p:sp>
+        <p:nvSpPr>
+          <p:cNvPr id="3" name="Rectangle 2"/>
+          <p:cNvSpPr/>
+          <p:nvPr/>
+        </p:nvSpPr>
+        <p:spPr>
+          <a:xfrm>
+            <a:off x="3581400" y="4953000"/>
+            <a:ext cx="2351926" cy="369332"/>
+          </a:xfrm>
+          <a:prstGeom prst="rect">
+            <a:avLst/>
+          </a:prstGeom>
+        </p:spPr>
+        <p:txBody>
+          <a:bodyPr wrap="none">
+            <a:spAutoFit/>
+          </a:bodyPr>
+          <a:lstStyle/>
+          <a:p>
+            <a:r>
+              <a:rPr lang="en-US" b="1" dirty="0">
+                <a:solidFill>
+                  <a:srgbClr val="1F497D"/>
+                </a:solidFill>
+                <a:latin typeface="Arial" panose="020B0604020202020204" pitchFamily="34" charset="0"/>
+                <a:cs typeface="Arial" panose="020B0604020202020204" pitchFamily="34" charset="0"/>
+              </a:rPr>
+              <a:t>RNN Notebook: </a:t>
+            </a:r>
+            <a:r>
+              <a:rPr lang="en-US" b="1" dirty="0">
+                <a:solidFill>
+                  <a:srgbClr val="1F497D"/>
+                </a:solidFill>
+                <a:latin typeface="Arial" panose="020B0604020202020204" pitchFamily="34" charset="0"/>
+                <a:cs typeface="Arial" panose="020B0604020202020204" pitchFamily="34" charset="0"/>
+                <a:hlinkClick r:id="rId2"/>
+              </a:rPr>
+              <a:t>link</a:t>
+            </a:r>
+            <a:endParaRPr lang="en-US" b="1" dirty="0">
+              <a:solidFill>
+                <a:srgbClr val="1F497D"/>
+              </a:solidFill>
+              <a:latin typeface="Arial" panose="020B0604020202020204" pitchFamily="34" charset="0"/>
+              <a:cs typeface="Arial" panose="020B0604020202020204" pitchFamily="34" charset="0"/>
+            </a:endParaRPr>
+          </a:p>
+        </p:txBody>
+      </p:sp>
+    </p:spTree>
+    <p:extLst>
+      <p:ext uri="{BB962C8B-B14F-4D97-AF65-F5344CB8AC3E}">
+        <p14:creationId xmlns:p14="http://schemas.microsoft.com/office/powerpoint/2010/main" val="2469525426"/>
+      </p:ext>
+    </p:extLst>
+  </p:cSld>
+  <p:clrMapOvr>
+    <a:masterClrMapping/>
+  </p:clrMapOvr>
+  <p:transition spd="slow">
+    <p:wipe dir="d"/>
+  </p:transition>
+</p:sld>
+</file>
+
+<file path=ppt/slides/slide31.xml><?xml version="1.0" encoding="utf-8"?>
+<p:sld xmlns:a="http://schemas.openxmlformats.org/drawingml/2006/main" xmlns:r="http://schemas.openxmlformats.org/officeDocument/2006/relationships" xmlns:p="http://schemas.openxmlformats.org/presentationml/2006/main">
+  <p:cSld>
+    <p:spTree>
+      <p:nvGrpSpPr>
+        <p:cNvPr id="1" name=""/>
+        <p:cNvGrpSpPr/>
+        <p:nvPr/>
+      </p:nvGrpSpPr>
+      <p:grpSpPr>
+        <a:xfrm>
+          <a:off x="0" y="0"/>
+          <a:ext cx="0" cy="0"/>
+          <a:chOff x="0" y="0"/>
+          <a:chExt cx="0" cy="0"/>
+        </a:xfrm>
+      </p:grpSpPr>
+      <p:sp>
+        <p:nvSpPr>
+          <p:cNvPr id="4" name="Title 3"/>
+          <p:cNvSpPr txBox="1">
+            <a:spLocks noGrp="1"/>
+          </p:cNvSpPr>
+          <p:nvPr>
+            <p:ph type="title"/>
+          </p:nvPr>
+        </p:nvSpPr>
+        <p:spPr>
+          <a:xfrm>
+            <a:off x="2514600" y="3276600"/>
+            <a:ext cx="5031506" cy="1200329"/>
+          </a:xfrm>
+          <a:prstGeom prst="rect">
+            <a:avLst/>
+          </a:prstGeom>
+          <a:noFill/>
+        </p:spPr>
+        <p:txBody>
+          <a:bodyPr wrap="none" rtlCol="0">
+            <a:spAutoFit/>
+          </a:bodyPr>
+          <a:lstStyle/>
+          <a:p>
+            <a:pPr algn="ctr"/>
+            <a:r>
+              <a:rPr lang="en-US" sz="7200" i="1" dirty="0">
+                <a:solidFill>
+                  <a:schemeClr val="accent2"/>
+                </a:solidFill>
+                <a:latin typeface="Arial" panose="020B0604020202020204" pitchFamily="34" charset="0"/>
+                <a:cs typeface="Arial" panose="020B0604020202020204" pitchFamily="34" charset="0"/>
+              </a:rPr>
+              <a:t>Thank you!</a:t>
+            </a:r>
+          </a:p>
+        </p:txBody>
+      </p:sp>
+    </p:spTree>
+    <p:extLst>
+      <p:ext uri="{BB962C8B-B14F-4D97-AF65-F5344CB8AC3E}">
+        <p14:creationId xmlns:p14="http://schemas.microsoft.com/office/powerpoint/2010/main" val="1498156455"/>
+      </p:ext>
+    </p:extLst>
+  </p:cSld>
+  <p:clrMapOvr>
+    <a:masterClrMapping/>
+  </p:clrMapOvr>
+  <p:transition spd="slow">
+    <p:wipe dir="d"/>
   </p:transition>
 </p:sld>
 </file>
